--- a/pptfiles/Optimizing Your PowerShell Profile.pptx
+++ b/pptfiles/Optimizing Your PowerShell Profile.pptx
@@ -5,21 +5,22 @@
     <p:sldMasterId id="2147483648" r:id="rId1"/>
   </p:sldMasterIdLst>
   <p:notesMasterIdLst>
-    <p:notesMasterId r:id="rId14"/>
+    <p:notesMasterId r:id="rId15"/>
   </p:notesMasterIdLst>
   <p:sldIdLst>
     <p:sldId id="257" r:id="rId2"/>
-    <p:sldId id="256" r:id="rId3"/>
-    <p:sldId id="266" r:id="rId4"/>
-    <p:sldId id="259" r:id="rId5"/>
-    <p:sldId id="260" r:id="rId6"/>
-    <p:sldId id="273" r:id="rId7"/>
-    <p:sldId id="262" r:id="rId8"/>
-    <p:sldId id="263" r:id="rId9"/>
-    <p:sldId id="264" r:id="rId10"/>
-    <p:sldId id="265" r:id="rId11"/>
-    <p:sldId id="274" r:id="rId12"/>
-    <p:sldId id="258" r:id="rId13"/>
+    <p:sldId id="275" r:id="rId3"/>
+    <p:sldId id="256" r:id="rId4"/>
+    <p:sldId id="266" r:id="rId5"/>
+    <p:sldId id="259" r:id="rId6"/>
+    <p:sldId id="260" r:id="rId7"/>
+    <p:sldId id="273" r:id="rId8"/>
+    <p:sldId id="262" r:id="rId9"/>
+    <p:sldId id="263" r:id="rId10"/>
+    <p:sldId id="264" r:id="rId11"/>
+    <p:sldId id="265" r:id="rId12"/>
+    <p:sldId id="274" r:id="rId13"/>
+    <p:sldId id="258" r:id="rId14"/>
   </p:sldIdLst>
   <p:sldSz cx="12192000" cy="6858000"/>
   <p:notesSz cx="6858000" cy="9144000"/>
@@ -208,7 +209,7 @@
           <a:p>
             <a:fld id="{C3E812A2-BA0E-4022-8B99-492E73CBDA70}" type="datetimeFigureOut">
               <a:rPr lang="en-US" smtClean="0"/>
-              <a:t>7/25/2023</a:t>
+              <a:t>9/23/2024</a:t>
             </a:fld>
             <a:endParaRPr lang="en-US"/>
           </a:p>
@@ -622,7 +623,7 @@
           <a:p>
             <a:fld id="{A83C7DF5-044A-406B-8FFF-0DDD724F8DE9}" type="datetime1">
               <a:rPr lang="en-US" smtClean="0"/>
-              <a:t>7/25/2023</a:t>
+              <a:t>9/23/2024</a:t>
             </a:fld>
             <a:endParaRPr lang="en-US"/>
           </a:p>
@@ -823,7 +824,7 @@
           <a:p>
             <a:fld id="{B95AE8A4-8F4B-4961-875C-96FC351CC633}" type="datetime1">
               <a:rPr lang="en-US" smtClean="0"/>
-              <a:t>7/25/2023</a:t>
+              <a:t>9/23/2024</a:t>
             </a:fld>
             <a:endParaRPr lang="en-US"/>
           </a:p>
@@ -1034,7 +1035,7 @@
           <a:p>
             <a:fld id="{88BEDFB3-CFB3-4FC0-807C-52111A144021}" type="datetime1">
               <a:rPr lang="en-US" smtClean="0"/>
-              <a:t>7/25/2023</a:t>
+              <a:t>9/23/2024</a:t>
             </a:fld>
             <a:endParaRPr lang="en-US"/>
           </a:p>
@@ -1235,7 +1236,7 @@
           <a:p>
             <a:fld id="{B333FB34-4C4E-4153-AB5A-43828B979C77}" type="datetime1">
               <a:rPr lang="en-US" smtClean="0"/>
-              <a:t>7/25/2023</a:t>
+              <a:t>9/23/2024</a:t>
             </a:fld>
             <a:endParaRPr lang="en-US"/>
           </a:p>
@@ -1513,7 +1514,7 @@
           <a:p>
             <a:fld id="{D4A86528-A2ED-47D4-B96C-733C6D0735BE}" type="datetime1">
               <a:rPr lang="en-US" smtClean="0"/>
-              <a:t>7/25/2023</a:t>
+              <a:t>9/23/2024</a:t>
             </a:fld>
             <a:endParaRPr lang="en-US"/>
           </a:p>
@@ -1781,7 +1782,7 @@
           <a:p>
             <a:fld id="{25986CCB-0D62-4B3C-A601-C68CF8EC5E10}" type="datetime1">
               <a:rPr lang="en-US" smtClean="0"/>
-              <a:t>7/25/2023</a:t>
+              <a:t>9/23/2024</a:t>
             </a:fld>
             <a:endParaRPr lang="en-US"/>
           </a:p>
@@ -2196,7 +2197,7 @@
           <a:p>
             <a:fld id="{710834C0-B99D-4884-B109-D5E5D9D6E9E1}" type="datetime1">
               <a:rPr lang="en-US" smtClean="0"/>
-              <a:t>7/25/2023</a:t>
+              <a:t>9/23/2024</a:t>
             </a:fld>
             <a:endParaRPr lang="en-US"/>
           </a:p>
@@ -2340,7 +2341,7 @@
           <a:p>
             <a:fld id="{C44495E1-E824-4659-A7D0-4EEFC469C102}" type="datetime1">
               <a:rPr lang="en-US" smtClean="0"/>
-              <a:t>7/25/2023</a:t>
+              <a:t>9/23/2024</a:t>
             </a:fld>
             <a:endParaRPr lang="en-US"/>
           </a:p>
@@ -2456,7 +2457,7 @@
           <a:p>
             <a:fld id="{5A5C425B-16D2-4F61-A1BF-7F895807B8C1}" type="datetime1">
               <a:rPr lang="en-US" smtClean="0"/>
-              <a:t>7/25/2023</a:t>
+              <a:t>9/23/2024</a:t>
             </a:fld>
             <a:endParaRPr lang="en-US"/>
           </a:p>
@@ -2770,7 +2771,7 @@
           <a:p>
             <a:fld id="{E734214E-46DE-4CE4-A77E-2DA69B60A470}" type="datetime1">
               <a:rPr lang="en-US" smtClean="0"/>
-              <a:t>7/25/2023</a:t>
+              <a:t>9/23/2024</a:t>
             </a:fld>
             <a:endParaRPr lang="en-US"/>
           </a:p>
@@ -3061,7 +3062,7 @@
           <a:p>
             <a:fld id="{B8213968-66EE-4CF6-B8FA-A8B1DA5C6DE5}" type="datetime1">
               <a:rPr lang="en-US" smtClean="0"/>
-              <a:t>7/25/2023</a:t>
+              <a:t>9/23/2024</a:t>
             </a:fld>
             <a:endParaRPr lang="en-US"/>
           </a:p>
@@ -3305,7 +3306,7 @@
           <a:p>
             <a:fld id="{4720A6BE-0E74-44EC-A1C2-C690BCB6B12D}" type="datetime1">
               <a:rPr lang="en-US" smtClean="0"/>
-              <a:t>7/25/2023</a:t>
+              <a:t>9/23/2024</a:t>
             </a:fld>
             <a:endParaRPr lang="en-US"/>
           </a:p>
@@ -3710,7 +3711,7 @@
 </file>
 
 <file path=ppt/slides/slide1.xml><?xml version="1.0" encoding="utf-8"?>
-<p:sld xmlns:a="http://schemas.openxmlformats.org/drawingml/2006/main" xmlns:r="http://schemas.openxmlformats.org/officeDocument/2006/relationships" xmlns:p="http://schemas.openxmlformats.org/presentationml/2006/main">
+<p:sld xmlns:a="http://schemas.openxmlformats.org/drawingml/2006/main" xmlns:r="http://schemas.openxmlformats.org/officeDocument/2006/relationships" xmlns:p="http://schemas.openxmlformats.org/presentationml/2006/main" show="0">
   <p:cSld>
     <p:bg>
       <p:bgPr>
@@ -6382,6 +6383,681 @@
       </p:grpSpPr>
       <p:sp useBgFill="1">
         <p:nvSpPr>
+          <p:cNvPr id="19" name="Rectangle 18">
+            <a:extLst>
+              <a:ext uri="{FF2B5EF4-FFF2-40B4-BE49-F238E27FC236}">
+                <a16:creationId xmlns:a16="http://schemas.microsoft.com/office/drawing/2014/main" id="{8FC9BE17-9A7B-462D-AE50-3D8777387304}"/>
+              </a:ext>
+              <a:ext uri="{C183D7F6-B498-43B3-948B-1728B52AA6E4}">
+                <adec:decorative xmlns:adec="http://schemas.microsoft.com/office/drawing/2017/decorative" val="1"/>
+              </a:ext>
+            </a:extLst>
+          </p:cNvPr>
+          <p:cNvSpPr>
+            <a:spLocks noGrp="1" noRot="1" noChangeAspect="1" noMove="1" noResize="1" noEditPoints="1" noAdjustHandles="1" noChangeArrowheads="1" noChangeShapeType="1" noTextEdit="1"/>
+          </p:cNvSpPr>
+          <p:nvPr>
+            <p:extLst>
+              <p:ext uri="{386F3935-93C4-4BCD-93E2-E3B085C9AB24}">
+                <p16:designElem xmlns:p16="http://schemas.microsoft.com/office/powerpoint/2015/main" val="1"/>
+              </p:ext>
+            </p:extLst>
+          </p:nvPr>
+        </p:nvSpPr>
+        <p:spPr>
+          <a:xfrm>
+            <a:off x="0" y="0"/>
+            <a:ext cx="12192000" cy="6858000"/>
+          </a:xfrm>
+          <a:prstGeom prst="rect">
+            <a:avLst/>
+          </a:prstGeom>
+          <a:ln>
+            <a:noFill/>
+          </a:ln>
+        </p:spPr>
+        <p:style>
+          <a:lnRef idx="2">
+            <a:schemeClr val="accent1">
+              <a:shade val="50000"/>
+            </a:schemeClr>
+          </a:lnRef>
+          <a:fillRef idx="1">
+            <a:schemeClr val="accent1"/>
+          </a:fillRef>
+          <a:effectRef idx="0">
+            <a:schemeClr val="accent1"/>
+          </a:effectRef>
+          <a:fontRef idx="minor">
+            <a:schemeClr val="lt1"/>
+          </a:fontRef>
+        </p:style>
+        <p:txBody>
+          <a:bodyPr rtlCol="0" anchor="ctr"/>
+          <a:lstStyle/>
+          <a:p>
+            <a:pPr algn="ctr"/>
+            <a:endParaRPr lang="en-US"/>
+          </a:p>
+        </p:txBody>
+      </p:sp>
+      <p:pic>
+        <p:nvPicPr>
+          <p:cNvPr id="6" name="Picture 5" descr="Desk with stethoscope and computer keyboard">
+            <a:extLst>
+              <a:ext uri="{FF2B5EF4-FFF2-40B4-BE49-F238E27FC236}">
+                <a16:creationId xmlns:a16="http://schemas.microsoft.com/office/drawing/2014/main" id="{CD7969C7-2056-7C1B-683F-B65ADC0EB95B}"/>
+              </a:ext>
+            </a:extLst>
+          </p:cNvPr>
+          <p:cNvPicPr>
+            <a:picLocks noChangeAspect="1"/>
+          </p:cNvPicPr>
+          <p:nvPr/>
+        </p:nvPicPr>
+        <p:blipFill rotWithShape="1">
+          <a:blip r:embed="rId2"/>
+          <a:srcRect l="16068" t="6484" r="5030" b="-1"/>
+          <a:stretch/>
+        </p:blipFill>
+        <p:spPr>
+          <a:xfrm>
+            <a:off x="3523488" y="9154"/>
+            <a:ext cx="8668512" cy="6857990"/>
+          </a:xfrm>
+          <a:prstGeom prst="rect">
+            <a:avLst/>
+          </a:prstGeom>
+        </p:spPr>
+      </p:pic>
+      <p:sp>
+        <p:nvSpPr>
+          <p:cNvPr id="21" name="Rectangle 20">
+            <a:extLst>
+              <a:ext uri="{FF2B5EF4-FFF2-40B4-BE49-F238E27FC236}">
+                <a16:creationId xmlns:a16="http://schemas.microsoft.com/office/drawing/2014/main" id="{3EBE8569-6AEC-4B8C-8D53-2DE337CDBA65}"/>
+              </a:ext>
+              <a:ext uri="{C183D7F6-B498-43B3-948B-1728B52AA6E4}">
+                <adec:decorative xmlns:adec="http://schemas.microsoft.com/office/drawing/2017/decorative" val="1"/>
+              </a:ext>
+            </a:extLst>
+          </p:cNvPr>
+          <p:cNvSpPr>
+            <a:spLocks noGrp="1" noRot="1" noChangeAspect="1" noMove="1" noResize="1" noEditPoints="1" noAdjustHandles="1" noChangeArrowheads="1" noChangeShapeType="1" noTextEdit="1"/>
+          </p:cNvSpPr>
+          <p:nvPr>
+            <p:extLst>
+              <p:ext uri="{386F3935-93C4-4BCD-93E2-E3B085C9AB24}">
+                <p16:designElem xmlns:p16="http://schemas.microsoft.com/office/powerpoint/2015/main" val="1"/>
+              </p:ext>
+            </p:extLst>
+          </p:nvPr>
+        </p:nvSpPr>
+        <p:spPr>
+          <a:xfrm>
+            <a:off x="2" y="0"/>
+            <a:ext cx="9756601" cy="6858000"/>
+          </a:xfrm>
+          <a:prstGeom prst="rect">
+            <a:avLst/>
+          </a:prstGeom>
+          <a:gradFill>
+            <a:gsLst>
+              <a:gs pos="58000">
+                <a:schemeClr val="bg1"/>
+              </a:gs>
+              <a:gs pos="35000">
+                <a:schemeClr val="bg1">
+                  <a:alpha val="78000"/>
+                </a:schemeClr>
+              </a:gs>
+              <a:gs pos="19000">
+                <a:schemeClr val="bg1">
+                  <a:alpha val="38000"/>
+                </a:schemeClr>
+              </a:gs>
+              <a:gs pos="0">
+                <a:schemeClr val="bg1">
+                  <a:alpha val="0"/>
+                </a:schemeClr>
+              </a:gs>
+              <a:gs pos="100000">
+                <a:schemeClr val="bg1"/>
+              </a:gs>
+            </a:gsLst>
+            <a:lin ang="10800000" scaled="0"/>
+          </a:gradFill>
+          <a:ln>
+            <a:noFill/>
+          </a:ln>
+        </p:spPr>
+        <p:style>
+          <a:lnRef idx="2">
+            <a:schemeClr val="accent1">
+              <a:shade val="50000"/>
+            </a:schemeClr>
+          </a:lnRef>
+          <a:fillRef idx="1">
+            <a:schemeClr val="accent1"/>
+          </a:fillRef>
+          <a:effectRef idx="0">
+            <a:schemeClr val="accent1"/>
+          </a:effectRef>
+          <a:fontRef idx="minor">
+            <a:schemeClr val="lt1"/>
+          </a:fontRef>
+        </p:style>
+        <p:txBody>
+          <a:bodyPr rtlCol="0" anchor="ctr"/>
+          <a:lstStyle/>
+          <a:p>
+            <a:pPr algn="ctr"/>
+            <a:endParaRPr lang="en-US" dirty="0"/>
+          </a:p>
+        </p:txBody>
+      </p:sp>
+      <p:sp>
+        <p:nvSpPr>
+          <p:cNvPr id="3" name="Title 1">
+            <a:extLst>
+              <a:ext uri="{FF2B5EF4-FFF2-40B4-BE49-F238E27FC236}">
+                <a16:creationId xmlns:a16="http://schemas.microsoft.com/office/drawing/2014/main" id="{6DA2320C-E6C5-482E-C2D5-DAD56361C46F}"/>
+              </a:ext>
+            </a:extLst>
+          </p:cNvPr>
+          <p:cNvSpPr txBox="1">
+            <a:spLocks/>
+          </p:cNvSpPr>
+          <p:nvPr/>
+        </p:nvSpPr>
+        <p:spPr>
+          <a:xfrm>
+            <a:off x="371094" y="1161288"/>
+            <a:ext cx="3438144" cy="1124712"/>
+          </a:xfrm>
+          <a:prstGeom prst="rect">
+            <a:avLst/>
+          </a:prstGeom>
+        </p:spPr>
+        <p:txBody>
+          <a:bodyPr vert="horz" lIns="91440" tIns="45720" rIns="91440" bIns="45720" rtlCol="0" anchor="b">
+            <a:normAutofit/>
+          </a:bodyPr>
+          <a:lstStyle>
+            <a:lvl1pPr algn="l" defTabSz="914400" rtl="0" eaLnBrk="1" latinLnBrk="0" hangingPunct="1">
+              <a:lnSpc>
+                <a:spcPct val="90000"/>
+              </a:lnSpc>
+              <a:spcBef>
+                <a:spcPct val="0"/>
+              </a:spcBef>
+              <a:buNone/>
+              <a:defRPr sz="4400" kern="1200">
+                <a:solidFill>
+                  <a:schemeClr val="tx1"/>
+                </a:solidFill>
+                <a:latin typeface="+mj-lt"/>
+                <a:ea typeface="+mj-ea"/>
+                <a:cs typeface="+mj-cs"/>
+              </a:defRPr>
+            </a:lvl1pPr>
+          </a:lstStyle>
+          <a:p>
+            <a:pPr>
+              <a:spcAft>
+                <a:spcPts val="600"/>
+              </a:spcAft>
+            </a:pPr>
+            <a:r>
+              <a:rPr lang="en-US" sz="3600" dirty="0"/>
+              <a:t>Other tips</a:t>
+            </a:r>
+          </a:p>
+        </p:txBody>
+      </p:sp>
+      <p:sp>
+        <p:nvSpPr>
+          <p:cNvPr id="23" name="Rectangle 22">
+            <a:extLst>
+              <a:ext uri="{FF2B5EF4-FFF2-40B4-BE49-F238E27FC236}">
+                <a16:creationId xmlns:a16="http://schemas.microsoft.com/office/drawing/2014/main" id="{55D4142C-5077-457F-A6AD-3FECFDB39685}"/>
+              </a:ext>
+              <a:ext uri="{C183D7F6-B498-43B3-948B-1728B52AA6E4}">
+                <adec:decorative xmlns:adec="http://schemas.microsoft.com/office/drawing/2017/decorative" val="1"/>
+              </a:ext>
+            </a:extLst>
+          </p:cNvPr>
+          <p:cNvSpPr>
+            <a:spLocks noGrp="1" noRot="1" noChangeAspect="1" noMove="1" noResize="1" noEditPoints="1" noAdjustHandles="1" noChangeArrowheads="1" noChangeShapeType="1" noTextEdit="1"/>
+          </p:cNvSpPr>
+          <p:nvPr>
+            <p:extLst>
+              <p:ext uri="{386F3935-93C4-4BCD-93E2-E3B085C9AB24}">
+                <p16:designElem xmlns:p16="http://schemas.microsoft.com/office/powerpoint/2015/main" val="1"/>
+              </p:ext>
+            </p:extLst>
+          </p:nvPr>
+        </p:nvSpPr>
+        <p:spPr>
+          <a:xfrm rot="5400000">
+            <a:off x="662559" y="605790"/>
+            <a:ext cx="73152" cy="548640"/>
+          </a:xfrm>
+          <a:prstGeom prst="rect">
+            <a:avLst/>
+          </a:prstGeom>
+          <a:solidFill>
+            <a:schemeClr val="accent2"/>
+          </a:solidFill>
+          <a:ln>
+            <a:noFill/>
+          </a:ln>
+        </p:spPr>
+        <p:style>
+          <a:lnRef idx="2">
+            <a:schemeClr val="accent1">
+              <a:shade val="50000"/>
+            </a:schemeClr>
+          </a:lnRef>
+          <a:fillRef idx="1">
+            <a:schemeClr val="accent1"/>
+          </a:fillRef>
+          <a:effectRef idx="0">
+            <a:schemeClr val="accent1"/>
+          </a:effectRef>
+          <a:fontRef idx="minor">
+            <a:schemeClr val="lt1"/>
+          </a:fontRef>
+        </p:style>
+        <p:txBody>
+          <a:bodyPr rtlCol="0" anchor="ctr"/>
+          <a:lstStyle/>
+          <a:p>
+            <a:pPr algn="ctr"/>
+            <a:endParaRPr lang="en-US">
+              <a:solidFill>
+                <a:prstClr val="white"/>
+              </a:solidFill>
+              <a:latin typeface="Calibri" panose="020F0502020204030204"/>
+            </a:endParaRPr>
+          </a:p>
+        </p:txBody>
+      </p:sp>
+      <p:sp>
+        <p:nvSpPr>
+          <p:cNvPr id="25" name="Rectangle 24">
+            <a:extLst>
+              <a:ext uri="{FF2B5EF4-FFF2-40B4-BE49-F238E27FC236}">
+                <a16:creationId xmlns:a16="http://schemas.microsoft.com/office/drawing/2014/main" id="{7A5F0580-5EE9-419F-96EE-B6529EF6E7D0}"/>
+              </a:ext>
+              <a:ext uri="{C183D7F6-B498-43B3-948B-1728B52AA6E4}">
+                <adec:decorative xmlns:adec="http://schemas.microsoft.com/office/drawing/2017/decorative" val="1"/>
+              </a:ext>
+            </a:extLst>
+          </p:cNvPr>
+          <p:cNvSpPr>
+            <a:spLocks noGrp="1" noRot="1" noChangeAspect="1" noMove="1" noResize="1" noEditPoints="1" noAdjustHandles="1" noChangeArrowheads="1" noChangeShapeType="1" noTextEdit="1"/>
+          </p:cNvSpPr>
+          <p:nvPr>
+            <p:extLst>
+              <p:ext uri="{386F3935-93C4-4BCD-93E2-E3B085C9AB24}">
+                <p16:designElem xmlns:p16="http://schemas.microsoft.com/office/powerpoint/2015/main" val="1"/>
+              </p:ext>
+            </p:extLst>
+          </p:nvPr>
+        </p:nvSpPr>
+        <p:spPr>
+          <a:xfrm>
+            <a:off x="428244" y="2443480"/>
+            <a:ext cx="3300984" cy="9144"/>
+          </a:xfrm>
+          <a:prstGeom prst="rect">
+            <a:avLst/>
+          </a:prstGeom>
+          <a:solidFill>
+            <a:srgbClr val="D5D5D5"/>
+          </a:solidFill>
+          <a:ln w="3175">
+            <a:solidFill>
+              <a:srgbClr val="D5D5D5"/>
+            </a:solidFill>
+          </a:ln>
+          <a:effectLst/>
+        </p:spPr>
+        <p:style>
+          <a:lnRef idx="2">
+            <a:schemeClr val="accent1">
+              <a:shade val="50000"/>
+            </a:schemeClr>
+          </a:lnRef>
+          <a:fillRef idx="1">
+            <a:schemeClr val="accent1"/>
+          </a:fillRef>
+          <a:effectRef idx="0">
+            <a:schemeClr val="accent1"/>
+          </a:effectRef>
+          <a:fontRef idx="minor">
+            <a:schemeClr val="lt1"/>
+          </a:fontRef>
+        </p:style>
+        <p:txBody>
+          <a:bodyPr rtlCol="0" anchor="ctr"/>
+          <a:lstStyle/>
+          <a:p>
+            <a:pPr marL="0" marR="0" lvl="0" indent="0" algn="ctr" defTabSz="914400" rtl="0" eaLnBrk="1" fontAlgn="auto" latinLnBrk="0" hangingPunct="1">
+              <a:lnSpc>
+                <a:spcPct val="100000"/>
+              </a:lnSpc>
+              <a:spcBef>
+                <a:spcPts val="0"/>
+              </a:spcBef>
+              <a:spcAft>
+                <a:spcPts val="0"/>
+              </a:spcAft>
+              <a:buClrTx/>
+              <a:buSzTx/>
+              <a:buFontTx/>
+              <a:buNone/>
+              <a:tabLst/>
+              <a:defRPr/>
+            </a:pPr>
+            <a:endParaRPr kumimoji="0" lang="en-US" sz="1800" b="0" i="0" u="none" strike="noStrike" kern="1200" cap="none" spc="0" normalizeH="0" baseline="0" noProof="0">
+              <a:ln>
+                <a:noFill/>
+              </a:ln>
+              <a:solidFill>
+                <a:prstClr val="white"/>
+              </a:solidFill>
+              <a:effectLst/>
+              <a:uLnTx/>
+              <a:uFillTx/>
+              <a:latin typeface="Calibri" panose="020F0502020204030204"/>
+              <a:ea typeface="+mn-ea"/>
+              <a:cs typeface="+mn-cs"/>
+            </a:endParaRPr>
+          </a:p>
+        </p:txBody>
+      </p:sp>
+      <p:sp>
+        <p:nvSpPr>
+          <p:cNvPr id="4" name="Content Placeholder 2">
+            <a:extLst>
+              <a:ext uri="{FF2B5EF4-FFF2-40B4-BE49-F238E27FC236}">
+                <a16:creationId xmlns:a16="http://schemas.microsoft.com/office/drawing/2014/main" id="{D47C48E9-953C-F210-41EC-228D1C6DB6DB}"/>
+              </a:ext>
+            </a:extLst>
+          </p:cNvPr>
+          <p:cNvSpPr txBox="1">
+            <a:spLocks/>
+          </p:cNvSpPr>
+          <p:nvPr/>
+        </p:nvSpPr>
+        <p:spPr>
+          <a:xfrm>
+            <a:off x="371093" y="2718054"/>
+            <a:ext cx="6544862" cy="3207258"/>
+          </a:xfrm>
+          <a:prstGeom prst="rect">
+            <a:avLst/>
+          </a:prstGeom>
+        </p:spPr>
+        <p:txBody>
+          <a:bodyPr vert="horz" lIns="91440" tIns="45720" rIns="91440" bIns="45720" rtlCol="0" anchor="t">
+            <a:normAutofit fontScale="92500"/>
+          </a:bodyPr>
+          <a:lstStyle>
+            <a:lvl1pPr marL="228600" indent="-228600" algn="l" defTabSz="914400" rtl="0" eaLnBrk="1" latinLnBrk="0" hangingPunct="1">
+              <a:lnSpc>
+                <a:spcPct val="90000"/>
+              </a:lnSpc>
+              <a:spcBef>
+                <a:spcPts val="1000"/>
+              </a:spcBef>
+              <a:buFont typeface="Arial" panose="020B0604020202020204" pitchFamily="34" charset="0"/>
+              <a:buChar char="•"/>
+              <a:defRPr sz="2800" kern="1200">
+                <a:solidFill>
+                  <a:schemeClr val="tx1"/>
+                </a:solidFill>
+                <a:latin typeface="+mn-lt"/>
+                <a:ea typeface="+mn-ea"/>
+                <a:cs typeface="+mn-cs"/>
+              </a:defRPr>
+            </a:lvl1pPr>
+            <a:lvl2pPr marL="685800" indent="-228600" algn="l" defTabSz="914400" rtl="0" eaLnBrk="1" latinLnBrk="0" hangingPunct="1">
+              <a:lnSpc>
+                <a:spcPct val="90000"/>
+              </a:lnSpc>
+              <a:spcBef>
+                <a:spcPts val="500"/>
+              </a:spcBef>
+              <a:buFont typeface="Arial" panose="020B0604020202020204" pitchFamily="34" charset="0"/>
+              <a:buChar char="•"/>
+              <a:defRPr sz="2400" kern="1200">
+                <a:solidFill>
+                  <a:schemeClr val="tx1"/>
+                </a:solidFill>
+                <a:latin typeface="+mn-lt"/>
+                <a:ea typeface="+mn-ea"/>
+                <a:cs typeface="+mn-cs"/>
+              </a:defRPr>
+            </a:lvl2pPr>
+            <a:lvl3pPr marL="1143000" indent="-228600" algn="l" defTabSz="914400" rtl="0" eaLnBrk="1" latinLnBrk="0" hangingPunct="1">
+              <a:lnSpc>
+                <a:spcPct val="90000"/>
+              </a:lnSpc>
+              <a:spcBef>
+                <a:spcPts val="500"/>
+              </a:spcBef>
+              <a:buFont typeface="Arial" panose="020B0604020202020204" pitchFamily="34" charset="0"/>
+              <a:buChar char="•"/>
+              <a:defRPr sz="2000" kern="1200">
+                <a:solidFill>
+                  <a:schemeClr val="tx1"/>
+                </a:solidFill>
+                <a:latin typeface="+mn-lt"/>
+                <a:ea typeface="+mn-ea"/>
+                <a:cs typeface="+mn-cs"/>
+              </a:defRPr>
+            </a:lvl3pPr>
+            <a:lvl4pPr marL="1600200" indent="-228600" algn="l" defTabSz="914400" rtl="0" eaLnBrk="1" latinLnBrk="0" hangingPunct="1">
+              <a:lnSpc>
+                <a:spcPct val="90000"/>
+              </a:lnSpc>
+              <a:spcBef>
+                <a:spcPts val="500"/>
+              </a:spcBef>
+              <a:buFont typeface="Arial" panose="020B0604020202020204" pitchFamily="34" charset="0"/>
+              <a:buChar char="•"/>
+              <a:defRPr sz="1800" kern="1200">
+                <a:solidFill>
+                  <a:schemeClr val="tx1"/>
+                </a:solidFill>
+                <a:latin typeface="+mn-lt"/>
+                <a:ea typeface="+mn-ea"/>
+                <a:cs typeface="+mn-cs"/>
+              </a:defRPr>
+            </a:lvl4pPr>
+            <a:lvl5pPr marL="2057400" indent="-228600" algn="l" defTabSz="914400" rtl="0" eaLnBrk="1" latinLnBrk="0" hangingPunct="1">
+              <a:lnSpc>
+                <a:spcPct val="90000"/>
+              </a:lnSpc>
+              <a:spcBef>
+                <a:spcPts val="500"/>
+              </a:spcBef>
+              <a:buFont typeface="Arial" panose="020B0604020202020204" pitchFamily="34" charset="0"/>
+              <a:buChar char="•"/>
+              <a:defRPr sz="1800" kern="1200">
+                <a:solidFill>
+                  <a:schemeClr val="tx1"/>
+                </a:solidFill>
+                <a:latin typeface="+mn-lt"/>
+                <a:ea typeface="+mn-ea"/>
+                <a:cs typeface="+mn-cs"/>
+              </a:defRPr>
+            </a:lvl5pPr>
+            <a:lvl6pPr marL="2514600" indent="-228600" algn="l" defTabSz="914400" rtl="0" eaLnBrk="1" latinLnBrk="0" hangingPunct="1">
+              <a:lnSpc>
+                <a:spcPct val="90000"/>
+              </a:lnSpc>
+              <a:spcBef>
+                <a:spcPts val="500"/>
+              </a:spcBef>
+              <a:buFont typeface="Arial" panose="020B0604020202020204" pitchFamily="34" charset="0"/>
+              <a:buChar char="•"/>
+              <a:defRPr sz="1800" kern="1200">
+                <a:solidFill>
+                  <a:schemeClr val="tx1"/>
+                </a:solidFill>
+                <a:latin typeface="+mn-lt"/>
+                <a:ea typeface="+mn-ea"/>
+                <a:cs typeface="+mn-cs"/>
+              </a:defRPr>
+            </a:lvl6pPr>
+            <a:lvl7pPr marL="2971800" indent="-228600" algn="l" defTabSz="914400" rtl="0" eaLnBrk="1" latinLnBrk="0" hangingPunct="1">
+              <a:lnSpc>
+                <a:spcPct val="90000"/>
+              </a:lnSpc>
+              <a:spcBef>
+                <a:spcPts val="500"/>
+              </a:spcBef>
+              <a:buFont typeface="Arial" panose="020B0604020202020204" pitchFamily="34" charset="0"/>
+              <a:buChar char="•"/>
+              <a:defRPr sz="1800" kern="1200">
+                <a:solidFill>
+                  <a:schemeClr val="tx1"/>
+                </a:solidFill>
+                <a:latin typeface="+mn-lt"/>
+                <a:ea typeface="+mn-ea"/>
+                <a:cs typeface="+mn-cs"/>
+              </a:defRPr>
+            </a:lvl7pPr>
+            <a:lvl8pPr marL="3429000" indent="-228600" algn="l" defTabSz="914400" rtl="0" eaLnBrk="1" latinLnBrk="0" hangingPunct="1">
+              <a:lnSpc>
+                <a:spcPct val="90000"/>
+              </a:lnSpc>
+              <a:spcBef>
+                <a:spcPts val="500"/>
+              </a:spcBef>
+              <a:buFont typeface="Arial" panose="020B0604020202020204" pitchFamily="34" charset="0"/>
+              <a:buChar char="•"/>
+              <a:defRPr sz="1800" kern="1200">
+                <a:solidFill>
+                  <a:schemeClr val="tx1"/>
+                </a:solidFill>
+                <a:latin typeface="+mn-lt"/>
+                <a:ea typeface="+mn-ea"/>
+                <a:cs typeface="+mn-cs"/>
+              </a:defRPr>
+            </a:lvl8pPr>
+            <a:lvl9pPr marL="3886200" indent="-228600" algn="l" defTabSz="914400" rtl="0" eaLnBrk="1" latinLnBrk="0" hangingPunct="1">
+              <a:lnSpc>
+                <a:spcPct val="90000"/>
+              </a:lnSpc>
+              <a:spcBef>
+                <a:spcPts val="500"/>
+              </a:spcBef>
+              <a:buFont typeface="Arial" panose="020B0604020202020204" pitchFamily="34" charset="0"/>
+              <a:buChar char="•"/>
+              <a:defRPr sz="1800" kern="1200">
+                <a:solidFill>
+                  <a:schemeClr val="tx1"/>
+                </a:solidFill>
+                <a:latin typeface="+mn-lt"/>
+                <a:ea typeface="+mn-ea"/>
+                <a:cs typeface="+mn-cs"/>
+              </a:defRPr>
+            </a:lvl9pPr>
+          </a:lstStyle>
+          <a:p>
+            <a:r>
+              <a:rPr lang="en-US" sz="2400" dirty="0"/>
+              <a:t>Sync your profile scripts using OneDrive or GitHub</a:t>
+            </a:r>
+          </a:p>
+          <a:p>
+            <a:pPr lvl="1"/>
+            <a:r>
+              <a:rPr lang="en-US" dirty="0"/>
+              <a:t>Use </a:t>
+            </a:r>
+            <a:r>
+              <a:rPr lang="en-US" dirty="0" err="1"/>
+              <a:t>symlinks</a:t>
+            </a:r>
+            <a:r>
+              <a:rPr lang="en-US" dirty="0"/>
+              <a:t> to link runtime location to source location</a:t>
+            </a:r>
+          </a:p>
+          <a:p>
+            <a:pPr lvl="1"/>
+            <a:r>
+              <a:rPr lang="en-US" dirty="0"/>
+              <a:t>Don’t sync modules using OneDrive</a:t>
+            </a:r>
+          </a:p>
+          <a:p>
+            <a:r>
+              <a:rPr lang="en-US" sz="2400" dirty="0"/>
+              <a:t>Use profile hierarchy to separate configuration items</a:t>
+            </a:r>
+          </a:p>
+          <a:p>
+            <a:r>
+              <a:rPr lang="en-US" sz="2400" dirty="0"/>
+              <a:t>Move utility functions to a module</a:t>
+            </a:r>
+          </a:p>
+          <a:p>
+            <a:pPr lvl="1"/>
+            <a:r>
+              <a:rPr lang="en-US" dirty="0"/>
+              <a:t>They load on demand, no need to include in profile</a:t>
+            </a:r>
+          </a:p>
+        </p:txBody>
+      </p:sp>
+    </p:spTree>
+    <p:extLst>
+      <p:ext uri="{BB962C8B-B14F-4D97-AF65-F5344CB8AC3E}">
+        <p14:creationId xmlns:p14="http://schemas.microsoft.com/office/powerpoint/2010/main" val="3945079305"/>
+      </p:ext>
+    </p:extLst>
+  </p:cSld>
+  <p:clrMapOvr>
+    <a:masterClrMapping/>
+  </p:clrMapOvr>
+</p:sld>
+</file>
+
+<file path=ppt/slides/slide11.xml><?xml version="1.0" encoding="utf-8"?>
+<p:sld xmlns:a="http://schemas.openxmlformats.org/drawingml/2006/main" xmlns:r="http://schemas.openxmlformats.org/officeDocument/2006/relationships" xmlns:p="http://schemas.openxmlformats.org/presentationml/2006/main" show="0">
+  <p:cSld>
+    <p:bg>
+      <p:bgPr>
+        <a:solidFill>
+          <a:schemeClr val="bg1"/>
+        </a:solidFill>
+        <a:effectLst/>
+      </p:bgPr>
+    </p:bg>
+    <p:spTree>
+      <p:nvGrpSpPr>
+        <p:cNvPr id="1" name=""/>
+        <p:cNvGrpSpPr/>
+        <p:nvPr/>
+      </p:nvGrpSpPr>
+      <p:grpSpPr>
+        <a:xfrm>
+          <a:off x="0" y="0"/>
+          <a:ext cx="0" cy="0"/>
+          <a:chOff x="0" y="0"/>
+          <a:chExt cx="0" cy="0"/>
+        </a:xfrm>
+      </p:grpSpPr>
+      <p:sp useBgFill="1">
+        <p:nvSpPr>
           <p:cNvPr id="15" name="Rectangle 14">
             <a:extLst>
               <a:ext uri="{FF2B5EF4-FFF2-40B4-BE49-F238E27FC236}">
@@ -6951,54 +7627,6 @@
           </a:p>
         </p:txBody>
       </p:sp>
-      <p:sp>
-        <p:nvSpPr>
-          <p:cNvPr id="2" name="Footer Placeholder 1">
-            <a:extLst>
-              <a:ext uri="{FF2B5EF4-FFF2-40B4-BE49-F238E27FC236}">
-                <a16:creationId xmlns:a16="http://schemas.microsoft.com/office/drawing/2014/main" id="{BA3868C8-AA09-37F2-6624-17F94FD88228}"/>
-              </a:ext>
-            </a:extLst>
-          </p:cNvPr>
-          <p:cNvSpPr>
-            <a:spLocks noGrp="1"/>
-          </p:cNvSpPr>
-          <p:nvPr>
-            <p:ph type="ftr" sz="quarter" idx="11"/>
-          </p:nvPr>
-        </p:nvSpPr>
-        <p:spPr>
-          <a:xfrm>
-            <a:off x="4038600" y="6356350"/>
-            <a:ext cx="4114800" cy="365125"/>
-          </a:xfrm>
-        </p:spPr>
-        <p:txBody>
-          <a:bodyPr vert="horz" lIns="91440" tIns="45720" rIns="91440" bIns="45720" rtlCol="0" anchor="ctr">
-            <a:normAutofit/>
-          </a:bodyPr>
-          <a:lstStyle/>
-          <a:p>
-            <a:pPr>
-              <a:spcAft>
-                <a:spcPts val="600"/>
-              </a:spcAft>
-              <a:defRPr/>
-            </a:pPr>
-            <a:r>
-              <a:rPr lang="en-US" sz="1100" kern="1200">
-                <a:solidFill>
-                  <a:srgbClr val="FFFFFF"/>
-                </a:solidFill>
-                <a:latin typeface="Calibri" panose="020F0502020204030204"/>
-                <a:ea typeface="+mn-ea"/>
-                <a:cs typeface="+mn-cs"/>
-              </a:rPr>
-              <a:t>Scan the QR code on the room poster to fill out session evaluations</a:t>
-            </a:r>
-          </a:p>
-        </p:txBody>
-      </p:sp>
     </p:spTree>
     <p:extLst>
       <p:ext uri="{BB962C8B-B14F-4D97-AF65-F5344CB8AC3E}">
@@ -7012,8 +7640,8 @@
 </p:sld>
 </file>
 
-<file path=ppt/slides/slide11.xml><?xml version="1.0" encoding="utf-8"?>
-<p:sld xmlns:a="http://schemas.openxmlformats.org/drawingml/2006/main" xmlns:r="http://schemas.openxmlformats.org/officeDocument/2006/relationships" xmlns:p="http://schemas.openxmlformats.org/presentationml/2006/main">
+<file path=ppt/slides/slide12.xml><?xml version="1.0" encoding="utf-8"?>
+<p:sld xmlns:a="http://schemas.openxmlformats.org/drawingml/2006/main" xmlns:r="http://schemas.openxmlformats.org/officeDocument/2006/relationships" xmlns:p="http://schemas.openxmlformats.org/presentationml/2006/main" show="0">
   <p:cSld>
     <p:spTree>
       <p:nvGrpSpPr>
@@ -7108,39 +7736,6 @@
                 <a:latin typeface="+mn-lt"/>
               </a:rPr>
               <a:t>Get the scripts and slides</a:t>
-            </a:r>
-          </a:p>
-        </p:txBody>
-      </p:sp>
-      <p:sp>
-        <p:nvSpPr>
-          <p:cNvPr id="3" name="Footer Placeholder 2">
-            <a:extLst>
-              <a:ext uri="{FF2B5EF4-FFF2-40B4-BE49-F238E27FC236}">
-                <a16:creationId xmlns:a16="http://schemas.microsoft.com/office/drawing/2014/main" id="{49AE71FD-4666-00CB-C5F8-18D96E6C3944}"/>
-              </a:ext>
-            </a:extLst>
-          </p:cNvPr>
-          <p:cNvSpPr>
-            <a:spLocks noGrp="1"/>
-          </p:cNvSpPr>
-          <p:nvPr>
-            <p:ph type="ftr" sz="quarter" idx="11"/>
-          </p:nvPr>
-        </p:nvSpPr>
-        <p:spPr>
-          <a:xfrm>
-            <a:off x="3897470" y="6323191"/>
-            <a:ext cx="4500092" cy="365125"/>
-          </a:xfrm>
-        </p:spPr>
-        <p:txBody>
-          <a:bodyPr/>
-          <a:lstStyle/>
-          <a:p>
-            <a:r>
-              <a:rPr lang="en-US" dirty="0"/>
-              <a:t>Scan the QR code on the room poster to fill out session evaluations</a:t>
             </a:r>
           </a:p>
         </p:txBody>
@@ -7236,8 +7831,8 @@
 </p:sld>
 </file>
 
-<file path=ppt/slides/slide12.xml><?xml version="1.0" encoding="utf-8"?>
-<p:sld xmlns:a="http://schemas.openxmlformats.org/drawingml/2006/main" xmlns:r="http://schemas.openxmlformats.org/officeDocument/2006/relationships" xmlns:p="http://schemas.openxmlformats.org/presentationml/2006/main">
+<file path=ppt/slides/slide13.xml><?xml version="1.0" encoding="utf-8"?>
+<p:sld xmlns:a="http://schemas.openxmlformats.org/drawingml/2006/main" xmlns:r="http://schemas.openxmlformats.org/officeDocument/2006/relationships" xmlns:p="http://schemas.openxmlformats.org/presentationml/2006/main" show="0">
   <p:cSld>
     <p:spTree>
       <p:nvGrpSpPr>
@@ -8645,6 +9240,859 @@
 <file path=ppt/slides/slide2.xml><?xml version="1.0" encoding="utf-8"?>
 <p:sld xmlns:a="http://schemas.openxmlformats.org/drawingml/2006/main" xmlns:r="http://schemas.openxmlformats.org/officeDocument/2006/relationships" xmlns:p="http://schemas.openxmlformats.org/presentationml/2006/main">
   <p:cSld>
+    <p:bg>
+      <p:bgPr>
+        <a:solidFill>
+          <a:schemeClr val="bg1"/>
+        </a:solidFill>
+        <a:effectLst/>
+      </p:bgPr>
+    </p:bg>
+    <p:spTree>
+      <p:nvGrpSpPr>
+        <p:cNvPr id="1" name=""/>
+        <p:cNvGrpSpPr/>
+        <p:nvPr/>
+      </p:nvGrpSpPr>
+      <p:grpSpPr>
+        <a:xfrm>
+          <a:off x="0" y="0"/>
+          <a:ext cx="0" cy="0"/>
+          <a:chOff x="0" y="0"/>
+          <a:chExt cx="0" cy="0"/>
+        </a:xfrm>
+      </p:grpSpPr>
+      <p:sp useBgFill="1">
+        <p:nvSpPr>
+          <p:cNvPr id="27" name="Rectangle 26">
+            <a:extLst>
+              <a:ext uri="{FF2B5EF4-FFF2-40B4-BE49-F238E27FC236}">
+                <a16:creationId xmlns:a16="http://schemas.microsoft.com/office/drawing/2014/main" id="{9B7AD9F6-8CE7-4299-8FC6-328F4DCD3FF9}"/>
+              </a:ext>
+              <a:ext uri="{C183D7F6-B498-43B3-948B-1728B52AA6E4}">
+                <adec:decorative xmlns:adec="http://schemas.microsoft.com/office/drawing/2017/decorative" val="1"/>
+              </a:ext>
+            </a:extLst>
+          </p:cNvPr>
+          <p:cNvSpPr>
+            <a:spLocks noGrp="1" noRot="1" noChangeAspect="1" noMove="1" noResize="1" noEditPoints="1" noAdjustHandles="1" noChangeArrowheads="1" noChangeShapeType="1" noTextEdit="1"/>
+          </p:cNvSpPr>
+          <p:nvPr>
+            <p:extLst>
+              <p:ext uri="{386F3935-93C4-4BCD-93E2-E3B085C9AB24}">
+                <p16:designElem xmlns:p16="http://schemas.microsoft.com/office/powerpoint/2015/main" val="1"/>
+              </p:ext>
+            </p:extLst>
+          </p:nvPr>
+        </p:nvSpPr>
+        <p:spPr>
+          <a:xfrm>
+            <a:off x="0" y="0"/>
+            <a:ext cx="12188952" cy="6858000"/>
+          </a:xfrm>
+          <a:prstGeom prst="rect">
+            <a:avLst/>
+          </a:prstGeom>
+          <a:ln>
+            <a:noFill/>
+          </a:ln>
+        </p:spPr>
+        <p:style>
+          <a:lnRef idx="2">
+            <a:schemeClr val="accent1">
+              <a:shade val="50000"/>
+            </a:schemeClr>
+          </a:lnRef>
+          <a:fillRef idx="1">
+            <a:schemeClr val="accent1"/>
+          </a:fillRef>
+          <a:effectRef idx="0">
+            <a:schemeClr val="accent1"/>
+          </a:effectRef>
+          <a:fontRef idx="minor">
+            <a:schemeClr val="lt1"/>
+          </a:fontRef>
+        </p:style>
+        <p:txBody>
+          <a:bodyPr rtlCol="0" anchor="ctr"/>
+          <a:lstStyle/>
+          <a:p>
+            <a:pPr algn="ctr"/>
+            <a:endParaRPr lang="en-US"/>
+          </a:p>
+        </p:txBody>
+      </p:sp>
+      <p:sp>
+        <p:nvSpPr>
+          <p:cNvPr id="6" name="Title 1">
+            <a:extLst>
+              <a:ext uri="{FF2B5EF4-FFF2-40B4-BE49-F238E27FC236}">
+                <a16:creationId xmlns:a16="http://schemas.microsoft.com/office/drawing/2014/main" id="{C75F2B70-5852-4D53-BD7D-97770805264C}"/>
+              </a:ext>
+            </a:extLst>
+          </p:cNvPr>
+          <p:cNvSpPr>
+            <a:spLocks noGrp="1"/>
+          </p:cNvSpPr>
+          <p:nvPr>
+            <p:ph type="ctrTitle"/>
+          </p:nvPr>
+        </p:nvSpPr>
+        <p:spPr>
+          <a:xfrm>
+            <a:off x="504260" y="926333"/>
+            <a:ext cx="4805917" cy="2385681"/>
+          </a:xfrm>
+        </p:spPr>
+        <p:txBody>
+          <a:bodyPr vert="horz" lIns="91440" tIns="45720" rIns="91440" bIns="45720" rtlCol="0" anchor="b">
+            <a:noAutofit/>
+          </a:bodyPr>
+          <a:lstStyle/>
+          <a:p>
+            <a:pPr algn="l">
+              <a:lnSpc>
+                <a:spcPct val="100000"/>
+              </a:lnSpc>
+            </a:pPr>
+            <a:r>
+              <a:rPr lang="en-US" sz="4800" dirty="0"/>
+              <a:t>Create a unified PowerShell profile for all platforms</a:t>
+            </a:r>
+          </a:p>
+        </p:txBody>
+      </p:sp>
+      <p:sp>
+        <p:nvSpPr>
+          <p:cNvPr id="7" name="Subtitle 2">
+            <a:extLst>
+              <a:ext uri="{FF2B5EF4-FFF2-40B4-BE49-F238E27FC236}">
+                <a16:creationId xmlns:a16="http://schemas.microsoft.com/office/drawing/2014/main" id="{65E6C89D-5A15-0E61-72FA-E6CE29497A76}"/>
+              </a:ext>
+            </a:extLst>
+          </p:cNvPr>
+          <p:cNvSpPr txBox="1">
+            <a:spLocks/>
+          </p:cNvSpPr>
+          <p:nvPr/>
+        </p:nvSpPr>
+        <p:spPr>
+          <a:xfrm>
+            <a:off x="760691" y="4620087"/>
+            <a:ext cx="3734014" cy="1311580"/>
+          </a:xfrm>
+          <a:prstGeom prst="rect">
+            <a:avLst/>
+          </a:prstGeom>
+        </p:spPr>
+        <p:txBody>
+          <a:bodyPr vert="horz" lIns="91440" tIns="45720" rIns="91440" bIns="45720" rtlCol="0">
+            <a:normAutofit/>
+          </a:bodyPr>
+          <a:lstStyle>
+            <a:lvl1pPr marL="0" indent="0" algn="ctr" defTabSz="914400" rtl="0" eaLnBrk="1" latinLnBrk="0" hangingPunct="1">
+              <a:lnSpc>
+                <a:spcPct val="90000"/>
+              </a:lnSpc>
+              <a:spcBef>
+                <a:spcPts val="1000"/>
+              </a:spcBef>
+              <a:buFont typeface="Arial" panose="020B0604020202020204" pitchFamily="34" charset="0"/>
+              <a:buNone/>
+              <a:defRPr sz="2400" kern="1200">
+                <a:solidFill>
+                  <a:schemeClr val="tx1"/>
+                </a:solidFill>
+                <a:latin typeface="+mn-lt"/>
+                <a:ea typeface="+mn-ea"/>
+                <a:cs typeface="+mn-cs"/>
+              </a:defRPr>
+            </a:lvl1pPr>
+            <a:lvl2pPr marL="457200" indent="0" algn="ctr" defTabSz="914400" rtl="0" eaLnBrk="1" latinLnBrk="0" hangingPunct="1">
+              <a:lnSpc>
+                <a:spcPct val="90000"/>
+              </a:lnSpc>
+              <a:spcBef>
+                <a:spcPts val="500"/>
+              </a:spcBef>
+              <a:buFont typeface="Arial" panose="020B0604020202020204" pitchFamily="34" charset="0"/>
+              <a:buNone/>
+              <a:defRPr sz="2000" kern="1200">
+                <a:solidFill>
+                  <a:schemeClr val="tx1"/>
+                </a:solidFill>
+                <a:latin typeface="+mn-lt"/>
+                <a:ea typeface="+mn-ea"/>
+                <a:cs typeface="+mn-cs"/>
+              </a:defRPr>
+            </a:lvl2pPr>
+            <a:lvl3pPr marL="914400" indent="0" algn="ctr" defTabSz="914400" rtl="0" eaLnBrk="1" latinLnBrk="0" hangingPunct="1">
+              <a:lnSpc>
+                <a:spcPct val="90000"/>
+              </a:lnSpc>
+              <a:spcBef>
+                <a:spcPts val="500"/>
+              </a:spcBef>
+              <a:buFont typeface="Arial" panose="020B0604020202020204" pitchFamily="34" charset="0"/>
+              <a:buNone/>
+              <a:defRPr sz="1800" kern="1200">
+                <a:solidFill>
+                  <a:schemeClr val="tx1"/>
+                </a:solidFill>
+                <a:latin typeface="+mn-lt"/>
+                <a:ea typeface="+mn-ea"/>
+                <a:cs typeface="+mn-cs"/>
+              </a:defRPr>
+            </a:lvl3pPr>
+            <a:lvl4pPr marL="1371600" indent="0" algn="ctr" defTabSz="914400" rtl="0" eaLnBrk="1" latinLnBrk="0" hangingPunct="1">
+              <a:lnSpc>
+                <a:spcPct val="90000"/>
+              </a:lnSpc>
+              <a:spcBef>
+                <a:spcPts val="500"/>
+              </a:spcBef>
+              <a:buFont typeface="Arial" panose="020B0604020202020204" pitchFamily="34" charset="0"/>
+              <a:buNone/>
+              <a:defRPr sz="1600" kern="1200">
+                <a:solidFill>
+                  <a:schemeClr val="tx1"/>
+                </a:solidFill>
+                <a:latin typeface="+mn-lt"/>
+                <a:ea typeface="+mn-ea"/>
+                <a:cs typeface="+mn-cs"/>
+              </a:defRPr>
+            </a:lvl4pPr>
+            <a:lvl5pPr marL="1828800" indent="0" algn="ctr" defTabSz="914400" rtl="0" eaLnBrk="1" latinLnBrk="0" hangingPunct="1">
+              <a:lnSpc>
+                <a:spcPct val="90000"/>
+              </a:lnSpc>
+              <a:spcBef>
+                <a:spcPts val="500"/>
+              </a:spcBef>
+              <a:buFont typeface="Arial" panose="020B0604020202020204" pitchFamily="34" charset="0"/>
+              <a:buNone/>
+              <a:defRPr sz="1600" kern="1200">
+                <a:solidFill>
+                  <a:schemeClr val="tx1"/>
+                </a:solidFill>
+                <a:latin typeface="+mn-lt"/>
+                <a:ea typeface="+mn-ea"/>
+                <a:cs typeface="+mn-cs"/>
+              </a:defRPr>
+            </a:lvl5pPr>
+            <a:lvl6pPr marL="2286000" indent="0" algn="ctr" defTabSz="914400" rtl="0" eaLnBrk="1" latinLnBrk="0" hangingPunct="1">
+              <a:lnSpc>
+                <a:spcPct val="90000"/>
+              </a:lnSpc>
+              <a:spcBef>
+                <a:spcPts val="500"/>
+              </a:spcBef>
+              <a:buFont typeface="Arial" panose="020B0604020202020204" pitchFamily="34" charset="0"/>
+              <a:buNone/>
+              <a:defRPr sz="1600" kern="1200">
+                <a:solidFill>
+                  <a:schemeClr val="tx1"/>
+                </a:solidFill>
+                <a:latin typeface="+mn-lt"/>
+                <a:ea typeface="+mn-ea"/>
+                <a:cs typeface="+mn-cs"/>
+              </a:defRPr>
+            </a:lvl6pPr>
+            <a:lvl7pPr marL="2743200" indent="0" algn="ctr" defTabSz="914400" rtl="0" eaLnBrk="1" latinLnBrk="0" hangingPunct="1">
+              <a:lnSpc>
+                <a:spcPct val="90000"/>
+              </a:lnSpc>
+              <a:spcBef>
+                <a:spcPts val="500"/>
+              </a:spcBef>
+              <a:buFont typeface="Arial" panose="020B0604020202020204" pitchFamily="34" charset="0"/>
+              <a:buNone/>
+              <a:defRPr sz="1600" kern="1200">
+                <a:solidFill>
+                  <a:schemeClr val="tx1"/>
+                </a:solidFill>
+                <a:latin typeface="+mn-lt"/>
+                <a:ea typeface="+mn-ea"/>
+                <a:cs typeface="+mn-cs"/>
+              </a:defRPr>
+            </a:lvl7pPr>
+            <a:lvl8pPr marL="3200400" indent="0" algn="ctr" defTabSz="914400" rtl="0" eaLnBrk="1" latinLnBrk="0" hangingPunct="1">
+              <a:lnSpc>
+                <a:spcPct val="90000"/>
+              </a:lnSpc>
+              <a:spcBef>
+                <a:spcPts val="500"/>
+              </a:spcBef>
+              <a:buFont typeface="Arial" panose="020B0604020202020204" pitchFamily="34" charset="0"/>
+              <a:buNone/>
+              <a:defRPr sz="1600" kern="1200">
+                <a:solidFill>
+                  <a:schemeClr val="tx1"/>
+                </a:solidFill>
+                <a:latin typeface="+mn-lt"/>
+                <a:ea typeface="+mn-ea"/>
+                <a:cs typeface="+mn-cs"/>
+              </a:defRPr>
+            </a:lvl8pPr>
+            <a:lvl9pPr marL="3657600" indent="0" algn="ctr" defTabSz="914400" rtl="0" eaLnBrk="1" latinLnBrk="0" hangingPunct="1">
+              <a:lnSpc>
+                <a:spcPct val="90000"/>
+              </a:lnSpc>
+              <a:spcBef>
+                <a:spcPts val="500"/>
+              </a:spcBef>
+              <a:buFont typeface="Arial" panose="020B0604020202020204" pitchFamily="34" charset="0"/>
+              <a:buNone/>
+              <a:defRPr sz="1600" kern="1200">
+                <a:solidFill>
+                  <a:schemeClr val="tx1"/>
+                </a:solidFill>
+                <a:latin typeface="+mn-lt"/>
+                <a:ea typeface="+mn-ea"/>
+                <a:cs typeface="+mn-cs"/>
+              </a:defRPr>
+            </a:lvl9pPr>
+          </a:lstStyle>
+          <a:p>
+            <a:r>
+              <a:rPr lang="en-US" dirty="0"/>
+              <a:t>How to support multiple versions and platforms</a:t>
+            </a:r>
+          </a:p>
+        </p:txBody>
+      </p:sp>
+      <p:sp>
+        <p:nvSpPr>
+          <p:cNvPr id="29" name="sketchy line">
+            <a:extLst>
+              <a:ext uri="{FF2B5EF4-FFF2-40B4-BE49-F238E27FC236}">
+                <a16:creationId xmlns:a16="http://schemas.microsoft.com/office/drawing/2014/main" id="{F49775AF-8896-43EE-92C6-83497D6DC56F}"/>
+              </a:ext>
+              <a:ext uri="{C183D7F6-B498-43B3-948B-1728B52AA6E4}">
+                <adec:decorative xmlns:adec="http://schemas.microsoft.com/office/drawing/2017/decorative" val="1"/>
+              </a:ext>
+            </a:extLst>
+          </p:cNvPr>
+          <p:cNvSpPr>
+            <a:spLocks noGrp="1" noRot="1" noChangeAspect="1" noMove="1" noResize="1" noEditPoints="1" noAdjustHandles="1" noChangeArrowheads="1" noChangeShapeType="1" noTextEdit="1"/>
+          </p:cNvSpPr>
+          <p:nvPr>
+            <p:extLst>
+              <p:ext uri="{386F3935-93C4-4BCD-93E2-E3B085C9AB24}">
+                <p16:designElem xmlns:p16="http://schemas.microsoft.com/office/powerpoint/2015/main" val="1"/>
+              </p:ext>
+            </p:extLst>
+          </p:nvPr>
+        </p:nvSpPr>
+        <p:spPr>
+          <a:xfrm>
+            <a:off x="890338" y="4409267"/>
+            <a:ext cx="3474720" cy="18288"/>
+          </a:xfrm>
+          <a:custGeom>
+            <a:avLst/>
+            <a:gdLst>
+              <a:gd name="connsiteX0" fmla="*/ 0 w 3474720"/>
+              <a:gd name="connsiteY0" fmla="*/ 0 h 18288"/>
+              <a:gd name="connsiteX1" fmla="*/ 694944 w 3474720"/>
+              <a:gd name="connsiteY1" fmla="*/ 0 h 18288"/>
+              <a:gd name="connsiteX2" fmla="*/ 1355141 w 3474720"/>
+              <a:gd name="connsiteY2" fmla="*/ 0 h 18288"/>
+              <a:gd name="connsiteX3" fmla="*/ 2015338 w 3474720"/>
+              <a:gd name="connsiteY3" fmla="*/ 0 h 18288"/>
+              <a:gd name="connsiteX4" fmla="*/ 2779776 w 3474720"/>
+              <a:gd name="connsiteY4" fmla="*/ 0 h 18288"/>
+              <a:gd name="connsiteX5" fmla="*/ 3474720 w 3474720"/>
+              <a:gd name="connsiteY5" fmla="*/ 0 h 18288"/>
+              <a:gd name="connsiteX6" fmla="*/ 3474720 w 3474720"/>
+              <a:gd name="connsiteY6" fmla="*/ 18288 h 18288"/>
+              <a:gd name="connsiteX7" fmla="*/ 2779776 w 3474720"/>
+              <a:gd name="connsiteY7" fmla="*/ 18288 h 18288"/>
+              <a:gd name="connsiteX8" fmla="*/ 2189074 w 3474720"/>
+              <a:gd name="connsiteY8" fmla="*/ 18288 h 18288"/>
+              <a:gd name="connsiteX9" fmla="*/ 1528877 w 3474720"/>
+              <a:gd name="connsiteY9" fmla="*/ 18288 h 18288"/>
+              <a:gd name="connsiteX10" fmla="*/ 868680 w 3474720"/>
+              <a:gd name="connsiteY10" fmla="*/ 18288 h 18288"/>
+              <a:gd name="connsiteX11" fmla="*/ 0 w 3474720"/>
+              <a:gd name="connsiteY11" fmla="*/ 18288 h 18288"/>
+              <a:gd name="connsiteX12" fmla="*/ 0 w 3474720"/>
+              <a:gd name="connsiteY12" fmla="*/ 0 h 18288"/>
+            </a:gdLst>
+            <a:ahLst/>
+            <a:cxnLst>
+              <a:cxn ang="0">
+                <a:pos x="connsiteX0" y="connsiteY0"/>
+              </a:cxn>
+              <a:cxn ang="0">
+                <a:pos x="connsiteX1" y="connsiteY1"/>
+              </a:cxn>
+              <a:cxn ang="0">
+                <a:pos x="connsiteX2" y="connsiteY2"/>
+              </a:cxn>
+              <a:cxn ang="0">
+                <a:pos x="connsiteX3" y="connsiteY3"/>
+              </a:cxn>
+              <a:cxn ang="0">
+                <a:pos x="connsiteX4" y="connsiteY4"/>
+              </a:cxn>
+              <a:cxn ang="0">
+                <a:pos x="connsiteX5" y="connsiteY5"/>
+              </a:cxn>
+              <a:cxn ang="0">
+                <a:pos x="connsiteX6" y="connsiteY6"/>
+              </a:cxn>
+              <a:cxn ang="0">
+                <a:pos x="connsiteX7" y="connsiteY7"/>
+              </a:cxn>
+              <a:cxn ang="0">
+                <a:pos x="connsiteX8" y="connsiteY8"/>
+              </a:cxn>
+              <a:cxn ang="0">
+                <a:pos x="connsiteX9" y="connsiteY9"/>
+              </a:cxn>
+              <a:cxn ang="0">
+                <a:pos x="connsiteX10" y="connsiteY10"/>
+              </a:cxn>
+              <a:cxn ang="0">
+                <a:pos x="connsiteX11" y="connsiteY11"/>
+              </a:cxn>
+              <a:cxn ang="0">
+                <a:pos x="connsiteX12" y="connsiteY12"/>
+              </a:cxn>
+            </a:cxnLst>
+            <a:rect l="l" t="t" r="r" b="b"/>
+            <a:pathLst>
+              <a:path w="3474720" h="18288" fill="none" extrusionOk="0">
+                <a:moveTo>
+                  <a:pt x="0" y="0"/>
+                </a:moveTo>
+                <a:cubicBezTo>
+                  <a:pt x="224454" y="-14544"/>
+                  <a:pt x="495407" y="26540"/>
+                  <a:pt x="694944" y="0"/>
+                </a:cubicBezTo>
+                <a:cubicBezTo>
+                  <a:pt x="894481" y="-26540"/>
+                  <a:pt x="1130063" y="24713"/>
+                  <a:pt x="1355141" y="0"/>
+                </a:cubicBezTo>
+                <a:cubicBezTo>
+                  <a:pt x="1580219" y="-24713"/>
+                  <a:pt x="1820099" y="26695"/>
+                  <a:pt x="2015338" y="0"/>
+                </a:cubicBezTo>
+                <a:cubicBezTo>
+                  <a:pt x="2210577" y="-26695"/>
+                  <a:pt x="2402045" y="165"/>
+                  <a:pt x="2779776" y="0"/>
+                </a:cubicBezTo>
+                <a:cubicBezTo>
+                  <a:pt x="3157507" y="-165"/>
+                  <a:pt x="3286859" y="-15571"/>
+                  <a:pt x="3474720" y="0"/>
+                </a:cubicBezTo>
+                <a:cubicBezTo>
+                  <a:pt x="3474286" y="7551"/>
+                  <a:pt x="3474253" y="9822"/>
+                  <a:pt x="3474720" y="18288"/>
+                </a:cubicBezTo>
+                <a:cubicBezTo>
+                  <a:pt x="3233904" y="29845"/>
+                  <a:pt x="2945134" y="-5256"/>
+                  <a:pt x="2779776" y="18288"/>
+                </a:cubicBezTo>
+                <a:cubicBezTo>
+                  <a:pt x="2614418" y="41832"/>
+                  <a:pt x="2339768" y="22709"/>
+                  <a:pt x="2189074" y="18288"/>
+                </a:cubicBezTo>
+                <a:cubicBezTo>
+                  <a:pt x="2038380" y="13867"/>
+                  <a:pt x="1817434" y="-4947"/>
+                  <a:pt x="1528877" y="18288"/>
+                </a:cubicBezTo>
+                <a:cubicBezTo>
+                  <a:pt x="1240320" y="41523"/>
+                  <a:pt x="1042447" y="37198"/>
+                  <a:pt x="868680" y="18288"/>
+                </a:cubicBezTo>
+                <a:cubicBezTo>
+                  <a:pt x="694913" y="-622"/>
+                  <a:pt x="233232" y="44909"/>
+                  <a:pt x="0" y="18288"/>
+                </a:cubicBezTo>
+                <a:cubicBezTo>
+                  <a:pt x="60" y="11696"/>
+                  <a:pt x="66" y="3758"/>
+                  <a:pt x="0" y="0"/>
+                </a:cubicBezTo>
+                <a:close/>
+              </a:path>
+              <a:path w="3474720" h="18288" stroke="0" extrusionOk="0">
+                <a:moveTo>
+                  <a:pt x="0" y="0"/>
+                </a:moveTo>
+                <a:cubicBezTo>
+                  <a:pt x="202328" y="-14716"/>
+                  <a:pt x="332722" y="-11499"/>
+                  <a:pt x="625450" y="0"/>
+                </a:cubicBezTo>
+                <a:cubicBezTo>
+                  <a:pt x="918178" y="11499"/>
+                  <a:pt x="1096688" y="5123"/>
+                  <a:pt x="1389888" y="0"/>
+                </a:cubicBezTo>
+                <a:cubicBezTo>
+                  <a:pt x="1683088" y="-5123"/>
+                  <a:pt x="1835981" y="-14038"/>
+                  <a:pt x="1980590" y="0"/>
+                </a:cubicBezTo>
+                <a:cubicBezTo>
+                  <a:pt x="2125199" y="14038"/>
+                  <a:pt x="2396099" y="-7203"/>
+                  <a:pt x="2571293" y="0"/>
+                </a:cubicBezTo>
+                <a:cubicBezTo>
+                  <a:pt x="2746487" y="7203"/>
+                  <a:pt x="3041609" y="-12036"/>
+                  <a:pt x="3474720" y="0"/>
+                </a:cubicBezTo>
+                <a:cubicBezTo>
+                  <a:pt x="3474638" y="4406"/>
+                  <a:pt x="3474631" y="9982"/>
+                  <a:pt x="3474720" y="18288"/>
+                </a:cubicBezTo>
+                <a:cubicBezTo>
+                  <a:pt x="3324873" y="21876"/>
+                  <a:pt x="3136771" y="12587"/>
+                  <a:pt x="2814523" y="18288"/>
+                </a:cubicBezTo>
+                <a:cubicBezTo>
+                  <a:pt x="2492275" y="23989"/>
+                  <a:pt x="2294402" y="47111"/>
+                  <a:pt x="2154326" y="18288"/>
+                </a:cubicBezTo>
+                <a:cubicBezTo>
+                  <a:pt x="2014250" y="-10535"/>
+                  <a:pt x="1820317" y="33903"/>
+                  <a:pt x="1494130" y="18288"/>
+                </a:cubicBezTo>
+                <a:cubicBezTo>
+                  <a:pt x="1167943" y="2673"/>
+                  <a:pt x="948432" y="14868"/>
+                  <a:pt x="729691" y="18288"/>
+                </a:cubicBezTo>
+                <a:cubicBezTo>
+                  <a:pt x="510950" y="21708"/>
+                  <a:pt x="264032" y="24354"/>
+                  <a:pt x="0" y="18288"/>
+                </a:cubicBezTo>
+                <a:cubicBezTo>
+                  <a:pt x="189" y="14288"/>
+                  <a:pt x="-703" y="3747"/>
+                  <a:pt x="0" y="0"/>
+                </a:cubicBezTo>
+                <a:close/>
+              </a:path>
+            </a:pathLst>
+          </a:custGeom>
+          <a:solidFill>
+            <a:schemeClr val="accent2"/>
+          </a:solidFill>
+          <a:ln w="44450" cap="rnd">
+            <a:solidFill>
+              <a:schemeClr val="accent2"/>
+            </a:solidFill>
+            <a:round/>
+            <a:extLst>
+              <a:ext uri="{C807C97D-BFC1-408E-A445-0C87EB9F89A2}">
+                <ask:lineSketchStyleProps xmlns:ask="http://schemas.microsoft.com/office/drawing/2018/sketchyshapes" sd="2863741219">
+                  <a:prstGeom prst="rect">
+                    <a:avLst/>
+                  </a:prstGeom>
+                  <ask:type>
+                    <ask:lineSketchFreehand/>
+                  </ask:type>
+                </ask:lineSketchStyleProps>
+              </a:ext>
+            </a:extLst>
+          </a:ln>
+        </p:spPr>
+        <p:style>
+          <a:lnRef idx="2">
+            <a:schemeClr val="accent1">
+              <a:shade val="50000"/>
+            </a:schemeClr>
+          </a:lnRef>
+          <a:fillRef idx="1">
+            <a:schemeClr val="accent1"/>
+          </a:fillRef>
+          <a:effectRef idx="0">
+            <a:schemeClr val="accent1"/>
+          </a:effectRef>
+          <a:fontRef idx="minor">
+            <a:schemeClr val="lt1"/>
+          </a:fontRef>
+        </p:style>
+        <p:txBody>
+          <a:bodyPr rtlCol="0" anchor="ctr"/>
+          <a:lstStyle/>
+          <a:p>
+            <a:pPr algn="ctr"/>
+            <a:endParaRPr lang="en-US"/>
+          </a:p>
+        </p:txBody>
+      </p:sp>
+      <p:pic>
+        <p:nvPicPr>
+          <p:cNvPr id="9" name="Picture 8" descr="Close up of gears">
+            <a:extLst>
+              <a:ext uri="{FF2B5EF4-FFF2-40B4-BE49-F238E27FC236}">
+                <a16:creationId xmlns:a16="http://schemas.microsoft.com/office/drawing/2014/main" id="{CD6A4DD1-B2CE-C2B8-BACB-7AC9AEA7241C}"/>
+              </a:ext>
+            </a:extLst>
+          </p:cNvPr>
+          <p:cNvPicPr>
+            <a:picLocks noChangeAspect="1"/>
+          </p:cNvPicPr>
+          <p:nvPr/>
+        </p:nvPicPr>
+        <p:blipFill>
+          <a:blip r:embed="rId2"/>
+          <a:srcRect l="622" r="24151"/>
+          <a:stretch/>
+        </p:blipFill>
+        <p:spPr>
+          <a:xfrm>
+            <a:off x="5311702" y="10"/>
+            <a:ext cx="6878775" cy="6857990"/>
+          </a:xfrm>
+          <a:custGeom>
+            <a:avLst/>
+            <a:gdLst/>
+            <a:ahLst/>
+            <a:cxnLst/>
+            <a:rect l="l" t="t" r="r" b="b"/>
+            <a:pathLst>
+              <a:path w="6878775" h="6858000">
+                <a:moveTo>
+                  <a:pt x="1102973" y="0"/>
+                </a:moveTo>
+                <a:lnTo>
+                  <a:pt x="1160688" y="0"/>
+                </a:lnTo>
+                <a:lnTo>
+                  <a:pt x="983189" y="331786"/>
+                </a:lnTo>
+                <a:cubicBezTo>
+                  <a:pt x="914866" y="469145"/>
+                  <a:pt x="850355" y="608712"/>
+                  <a:pt x="789261" y="750263"/>
+                </a:cubicBezTo>
+                <a:cubicBezTo>
+                  <a:pt x="774307" y="784928"/>
+                  <a:pt x="759992" y="819849"/>
+                  <a:pt x="745295" y="854514"/>
+                </a:cubicBezTo>
+                <a:cubicBezTo>
+                  <a:pt x="756682" y="845393"/>
+                  <a:pt x="765489" y="833492"/>
+                  <a:pt x="770857" y="819975"/>
+                </a:cubicBezTo>
+                <a:cubicBezTo>
+                  <a:pt x="879943" y="589569"/>
+                  <a:pt x="999605" y="365513"/>
+                  <a:pt x="1131329" y="148742"/>
+                </a:cubicBezTo>
+                <a:lnTo>
+                  <a:pt x="1227589" y="0"/>
+                </a:lnTo>
+                <a:lnTo>
+                  <a:pt x="6878775" y="0"/>
+                </a:lnTo>
+                <a:lnTo>
+                  <a:pt x="6878775" y="6858000"/>
+                </a:lnTo>
+                <a:lnTo>
+                  <a:pt x="713521" y="6858000"/>
+                </a:lnTo>
+                <a:lnTo>
+                  <a:pt x="625642" y="6670527"/>
+                </a:lnTo>
+                <a:cubicBezTo>
+                  <a:pt x="507232" y="6398531"/>
+                  <a:pt x="403083" y="6118381"/>
+                  <a:pt x="312785" y="5830359"/>
+                </a:cubicBezTo>
+                <a:cubicBezTo>
+                  <a:pt x="278149" y="5719759"/>
+                  <a:pt x="248879" y="5607635"/>
+                  <a:pt x="212198" y="5480401"/>
+                </a:cubicBezTo>
+                <a:cubicBezTo>
+                  <a:pt x="212208" y="5491601"/>
+                  <a:pt x="212803" y="5502788"/>
+                  <a:pt x="213988" y="5513923"/>
+                </a:cubicBezTo>
+                <a:cubicBezTo>
+                  <a:pt x="264089" y="5723695"/>
+                  <a:pt x="307290" y="5935370"/>
+                  <a:pt x="365826" y="6142729"/>
+                </a:cubicBezTo>
+                <a:cubicBezTo>
+                  <a:pt x="433152" y="6380817"/>
+                  <a:pt x="510068" y="6614016"/>
+                  <a:pt x="597975" y="6841549"/>
+                </a:cubicBezTo>
+                <a:lnTo>
+                  <a:pt x="604824" y="6858000"/>
+                </a:lnTo>
+                <a:lnTo>
+                  <a:pt x="552056" y="6858000"/>
+                </a:lnTo>
+                <a:lnTo>
+                  <a:pt x="539576" y="6828295"/>
+                </a:lnTo>
+                <a:cubicBezTo>
+                  <a:pt x="380597" y="6414594"/>
+                  <a:pt x="260223" y="5988893"/>
+                  <a:pt x="171555" y="5552906"/>
+                </a:cubicBezTo>
+                <a:cubicBezTo>
+                  <a:pt x="91163" y="5157998"/>
+                  <a:pt x="43746" y="4758899"/>
+                  <a:pt x="12305" y="4357388"/>
+                </a:cubicBezTo>
+                <a:cubicBezTo>
+                  <a:pt x="-14281" y="4013908"/>
+                  <a:pt x="4507" y="3672965"/>
+                  <a:pt x="46684" y="3331516"/>
+                </a:cubicBezTo>
+                <a:cubicBezTo>
+                  <a:pt x="127203" y="2664286"/>
+                  <a:pt x="277819" y="2007265"/>
+                  <a:pt x="496065" y="1371196"/>
+                </a:cubicBezTo>
+                <a:cubicBezTo>
+                  <a:pt x="636273" y="966066"/>
+                  <a:pt x="800445" y="573253"/>
+                  <a:pt x="995723" y="196614"/>
+                </a:cubicBezTo>
+                <a:close/>
+              </a:path>
+            </a:pathLst>
+          </a:custGeom>
+        </p:spPr>
+      </p:pic>
+    </p:spTree>
+    <p:extLst>
+      <p:ext uri="{BB962C8B-B14F-4D97-AF65-F5344CB8AC3E}">
+        <p14:creationId xmlns:p14="http://schemas.microsoft.com/office/powerpoint/2010/main" val="3238346363"/>
+      </p:ext>
+    </p:extLst>
+  </p:cSld>
+  <p:clrMapOvr>
+    <a:masterClrMapping/>
+  </p:clrMapOvr>
+  <p:timing>
+    <p:tnLst>
+      <p:par>
+        <p:cTn id="1" dur="indefinite" restart="never" nodeType="tmRoot">
+          <p:childTnLst>
+            <p:seq concurrent="1" nextAc="seek">
+              <p:cTn id="2" dur="indefinite" nodeType="mainSeq">
+                <p:childTnLst>
+                  <p:par>
+                    <p:cTn id="3" fill="hold">
+                      <p:stCondLst>
+                        <p:cond delay="indefinite"/>
+                        <p:cond evt="onBegin" delay="0">
+                          <p:tn val="2"/>
+                        </p:cond>
+                      </p:stCondLst>
+                      <p:childTnLst>
+                        <p:par>
+                          <p:cTn id="4" fill="hold">
+                            <p:stCondLst>
+                              <p:cond delay="0"/>
+                            </p:stCondLst>
+                            <p:childTnLst>
+                              <p:par>
+                                <p:cTn id="5" presetID="10" presetClass="entr" presetSubtype="0" fill="hold" grpId="0" nodeType="withEffect">
+                                  <p:stCondLst>
+                                    <p:cond delay="1000"/>
+                                  </p:stCondLst>
+                                  <p:iterate>
+                                    <p:tmPct val="10000"/>
+                                  </p:iterate>
+                                  <p:childTnLst>
+                                    <p:set>
+                                      <p:cBhvr>
+                                        <p:cTn id="6" dur="1" fill="hold">
+                                          <p:stCondLst>
+                                            <p:cond delay="0"/>
+                                          </p:stCondLst>
+                                        </p:cTn>
+                                        <p:tgtEl>
+                                          <p:spTgt spid="6"/>
+                                        </p:tgtEl>
+                                        <p:attrNameLst>
+                                          <p:attrName>style.visibility</p:attrName>
+                                        </p:attrNameLst>
+                                      </p:cBhvr>
+                                      <p:to>
+                                        <p:strVal val="visible"/>
+                                      </p:to>
+                                    </p:set>
+                                    <p:animEffect transition="in" filter="fade">
+                                      <p:cBhvr>
+                                        <p:cTn id="7" dur="700"/>
+                                        <p:tgtEl>
+                                          <p:spTgt spid="6"/>
+                                        </p:tgtEl>
+                                      </p:cBhvr>
+                                    </p:animEffect>
+                                  </p:childTnLst>
+                                </p:cTn>
+                              </p:par>
+                            </p:childTnLst>
+                          </p:cTn>
+                        </p:par>
+                      </p:childTnLst>
+                    </p:cTn>
+                  </p:par>
+                </p:childTnLst>
+              </p:cTn>
+              <p:prevCondLst>
+                <p:cond evt="onPrev" delay="0">
+                  <p:tgtEl>
+                    <p:sldTgt/>
+                  </p:tgtEl>
+                </p:cond>
+              </p:prevCondLst>
+              <p:nextCondLst>
+                <p:cond evt="onNext" delay="0">
+                  <p:tgtEl>
+                    <p:sldTgt/>
+                  </p:tgtEl>
+                </p:cond>
+              </p:nextCondLst>
+            </p:seq>
+          </p:childTnLst>
+        </p:cTn>
+      </p:par>
+    </p:tnLst>
+    <p:bldLst>
+      <p:bldP spid="6" grpId="0"/>
+    </p:bldLst>
+  </p:timing>
+</p:sld>
+</file>
+
+<file path=ppt/slides/slide3.xml><?xml version="1.0" encoding="utf-8"?>
+<p:sld xmlns:a="http://schemas.openxmlformats.org/drawingml/2006/main" xmlns:r="http://schemas.openxmlformats.org/officeDocument/2006/relationships" xmlns:p="http://schemas.openxmlformats.org/presentationml/2006/main" show="0">
+  <p:cSld>
     <p:spTree>
       <p:nvGrpSpPr>
         <p:cNvPr id="1" name=""/>
@@ -10048,8 +11496,8 @@
 </p:sld>
 </file>
 
-<file path=ppt/slides/slide3.xml><?xml version="1.0" encoding="utf-8"?>
-<p:sld xmlns:a="http://schemas.openxmlformats.org/drawingml/2006/main" xmlns:r="http://schemas.openxmlformats.org/officeDocument/2006/relationships" xmlns:p="http://schemas.openxmlformats.org/presentationml/2006/main">
+<file path=ppt/slides/slide4.xml><?xml version="1.0" encoding="utf-8"?>
+<p:sld xmlns:a="http://schemas.openxmlformats.org/drawingml/2006/main" xmlns:r="http://schemas.openxmlformats.org/officeDocument/2006/relationships" xmlns:p="http://schemas.openxmlformats.org/presentationml/2006/main" show="0">
   <p:cSld>
     <p:spTree>
       <p:nvGrpSpPr>
@@ -11326,7 +12774,7 @@
 </p:sld>
 </file>
 
-<file path=ppt/slides/slide4.xml><?xml version="1.0" encoding="utf-8"?>
+<file path=ppt/slides/slide5.xml><?xml version="1.0" encoding="utf-8"?>
 <p:sld xmlns:a="http://schemas.openxmlformats.org/drawingml/2006/main" xmlns:r="http://schemas.openxmlformats.org/officeDocument/2006/relationships" xmlns:p="http://schemas.openxmlformats.org/presentationml/2006/main">
   <p:cSld>
     <p:bg>
@@ -11862,60 +13310,6 @@
           </a:p>
         </p:txBody>
       </p:sp>
-      <p:sp>
-        <p:nvSpPr>
-          <p:cNvPr id="2" name="Footer Placeholder 1">
-            <a:extLst>
-              <a:ext uri="{FF2B5EF4-FFF2-40B4-BE49-F238E27FC236}">
-                <a16:creationId xmlns:a16="http://schemas.microsoft.com/office/drawing/2014/main" id="{BA3868C8-AA09-37F2-6624-17F94FD88228}"/>
-              </a:ext>
-            </a:extLst>
-          </p:cNvPr>
-          <p:cNvSpPr>
-            <a:spLocks noGrp="1"/>
-          </p:cNvSpPr>
-          <p:nvPr>
-            <p:ph type="ftr" sz="quarter" idx="11"/>
-          </p:nvPr>
-        </p:nvSpPr>
-        <p:spPr>
-          <a:xfrm>
-            <a:off x="5755597" y="6356350"/>
-            <a:ext cx="4045225" cy="365125"/>
-          </a:xfrm>
-        </p:spPr>
-        <p:txBody>
-          <a:bodyPr vert="horz" lIns="91440" tIns="45720" rIns="91440" bIns="45720" rtlCol="0" anchor="ctr">
-            <a:normAutofit/>
-          </a:bodyPr>
-          <a:lstStyle/>
-          <a:p>
-            <a:pPr algn="l">
-              <a:lnSpc>
-                <a:spcPct val="90000"/>
-              </a:lnSpc>
-              <a:spcAft>
-                <a:spcPts val="600"/>
-              </a:spcAft>
-              <a:defRPr/>
-            </a:pPr>
-            <a:r>
-              <a:rPr lang="en-US" sz="900" kern="1200" dirty="0">
-                <a:solidFill>
-                  <a:schemeClr val="tx1">
-                    <a:lumMod val="50000"/>
-                    <a:lumOff val="50000"/>
-                  </a:schemeClr>
-                </a:solidFill>
-                <a:latin typeface="Calibri" panose="020F0502020204030204"/>
-                <a:ea typeface="+mn-ea"/>
-                <a:cs typeface="+mn-cs"/>
-              </a:rPr>
-              <a:t>Scan the QR code on the room poster to fill out session evaluations</a:t>
-            </a:r>
-          </a:p>
-        </p:txBody>
-      </p:sp>
     </p:spTree>
     <p:extLst>
       <p:ext uri="{BB962C8B-B14F-4D97-AF65-F5344CB8AC3E}">
@@ -11929,7 +13323,7 @@
 </p:sld>
 </file>
 
-<file path=ppt/slides/slide5.xml><?xml version="1.0" encoding="utf-8"?>
+<file path=ppt/slides/slide6.xml><?xml version="1.0" encoding="utf-8"?>
 <p:sld xmlns:a="http://schemas.openxmlformats.org/drawingml/2006/main" xmlns:r="http://schemas.openxmlformats.org/officeDocument/2006/relationships" xmlns:p="http://schemas.openxmlformats.org/presentationml/2006/main">
   <p:cSld>
     <p:bg>
@@ -12661,56 +14055,6 @@
           </a:p>
         </p:txBody>
       </p:sp>
-      <p:sp>
-        <p:nvSpPr>
-          <p:cNvPr id="2" name="Footer Placeholder 1">
-            <a:extLst>
-              <a:ext uri="{FF2B5EF4-FFF2-40B4-BE49-F238E27FC236}">
-                <a16:creationId xmlns:a16="http://schemas.microsoft.com/office/drawing/2014/main" id="{BA3868C8-AA09-37F2-6624-17F94FD88228}"/>
-              </a:ext>
-            </a:extLst>
-          </p:cNvPr>
-          <p:cNvSpPr>
-            <a:spLocks noGrp="1"/>
-          </p:cNvSpPr>
-          <p:nvPr>
-            <p:ph type="ftr" sz="quarter" idx="11"/>
-          </p:nvPr>
-        </p:nvSpPr>
-        <p:spPr>
-          <a:xfrm>
-            <a:off x="4901184" y="6356350"/>
-            <a:ext cx="4114800" cy="365125"/>
-          </a:xfrm>
-        </p:spPr>
-        <p:txBody>
-          <a:bodyPr vert="horz" lIns="91440" tIns="45720" rIns="91440" bIns="45720" rtlCol="0" anchor="ctr">
-            <a:normAutofit/>
-          </a:bodyPr>
-          <a:lstStyle/>
-          <a:p>
-            <a:pPr algn="l">
-              <a:spcAft>
-                <a:spcPts val="600"/>
-              </a:spcAft>
-            </a:pPr>
-            <a:r>
-              <a:rPr lang="en-US" sz="1100" kern="1200">
-                <a:solidFill>
-                  <a:schemeClr val="tx1">
-                    <a:lumMod val="50000"/>
-                    <a:lumOff val="50000"/>
-                  </a:schemeClr>
-                </a:solidFill>
-                <a:latin typeface="+mn-lt"/>
-                <a:ea typeface="+mn-ea"/>
-                <a:cs typeface="+mn-cs"/>
-              </a:rPr>
-              <a:t>Scan the QR code on the room poster to fill out session evaluations</a:t>
-            </a:r>
-          </a:p>
-        </p:txBody>
-      </p:sp>
       <p:graphicFrame>
         <p:nvGraphicFramePr>
           <p:cNvPr id="11" name="Table 10">
@@ -12726,14 +14070,14 @@
           <p:nvPr>
             <p:extLst>
               <p:ext uri="{D42A27DB-BD31-4B8C-83A1-F6EECF244321}">
-                <p14:modId xmlns:p14="http://schemas.microsoft.com/office/powerpoint/2010/main" val="540201417"/>
+                <p14:modId xmlns:p14="http://schemas.microsoft.com/office/powerpoint/2010/main" val="1904107520"/>
               </p:ext>
             </p:extLst>
           </p:nvPr>
         </p:nvGraphicFramePr>
         <p:xfrm>
           <a:off x="4901184" y="1014907"/>
-          <a:ext cx="6922010" cy="4928771"/>
+          <a:ext cx="6922010" cy="5126272"/>
         </p:xfrm>
         <a:graphic>
           <a:graphicData uri="http://schemas.openxmlformats.org/drawingml/2006/table">
@@ -12964,16 +14308,16 @@
                     <a:bodyPr/>
                     <a:lstStyle/>
                     <a:p>
-                      <a:pPr algn="ctr" fontAlgn="ctr"/>
+                      <a:pPr algn="l" fontAlgn="ctr"/>
                       <a:r>
-                        <a:rPr lang="en-US" sz="1500" b="0" i="0" u="none" strike="noStrike">
+                        <a:rPr lang="en-US" sz="1500" b="0" i="0" u="none" strike="noStrike" dirty="0">
                           <a:solidFill>
                             <a:srgbClr val="000000"/>
                           </a:solidFill>
                           <a:effectLst/>
                           <a:latin typeface="Calibri (Body)"/>
                         </a:rPr>
-                        <a:t>Special characters</a:t>
+                        <a:t> Special characters</a:t>
                       </a:r>
                     </a:p>
                   </a:txBody>
@@ -13021,16 +14365,16 @@
                     <a:bodyPr/>
                     <a:lstStyle/>
                     <a:p>
-                      <a:pPr algn="l" fontAlgn="ctr"/>
+                      <a:pPr algn="ctr" fontAlgn="ctr"/>
                       <a:r>
-                        <a:rPr lang="en-US" sz="1500" b="0" i="0" u="none" strike="noStrike">
+                        <a:rPr lang="en-US" sz="1500" b="0" i="0" u="none" strike="noStrike" dirty="0">
                           <a:solidFill>
                             <a:srgbClr val="000000"/>
                           </a:solidFill>
                           <a:effectLst/>
                           <a:latin typeface="Calibri (Body)"/>
                         </a:rPr>
-                        <a:t>[char]0x1b,  [char]0xA9</a:t>
+                        <a:t> [char]0x1b,  [char]0xA9</a:t>
                       </a:r>
                     </a:p>
                   </a:txBody>
@@ -13078,16 +14422,16 @@
                     <a:bodyPr/>
                     <a:lstStyle/>
                     <a:p>
-                      <a:pPr algn="l" fontAlgn="ctr"/>
+                      <a:pPr algn="ctr" fontAlgn="ctr"/>
                       <a:r>
-                        <a:rPr lang="en-US" sz="1500" b="0" i="0" u="none" strike="noStrike">
+                        <a:rPr lang="en-US" sz="1500" b="0" i="0" u="none" strike="noStrike" dirty="0">
                           <a:solidFill>
                             <a:srgbClr val="000000"/>
                           </a:solidFill>
                           <a:effectLst/>
                           <a:latin typeface="Calibri (Body)"/>
                         </a:rPr>
-                        <a:t>`e, `u{A9}</a:t>
+                        <a:t> `e, `u{A9}</a:t>
                       </a:r>
                     </a:p>
                   </a:txBody>
@@ -13142,16 +14486,16 @@
                     <a:bodyPr/>
                     <a:lstStyle/>
                     <a:p>
-                      <a:pPr algn="ctr" fontAlgn="ctr"/>
+                      <a:pPr algn="l" fontAlgn="ctr"/>
                       <a:r>
-                        <a:rPr lang="en-US" sz="1500" b="0" i="0" u="none" strike="noStrike">
+                        <a:rPr lang="en-US" sz="1500" b="0" i="0" u="none" strike="noStrike" dirty="0">
                           <a:solidFill>
                             <a:srgbClr val="000000"/>
                           </a:solidFill>
                           <a:effectLst/>
                           <a:latin typeface="Calibri (Body)"/>
                         </a:rPr>
-                        <a:t>ANSI coloring</a:t>
+                        <a:t> ANSI coloring</a:t>
                       </a:r>
                     </a:p>
                   </a:txBody>
@@ -13201,14 +14545,14 @@
                     <a:p>
                       <a:pPr algn="l" fontAlgn="ctr"/>
                       <a:r>
-                        <a:rPr lang="en-US" sz="1500" b="0" i="0" u="none" strike="noStrike">
+                        <a:rPr lang="en-US" sz="1500" b="0" i="0" u="none" strike="noStrike" dirty="0">
                           <a:solidFill>
                             <a:srgbClr val="000000"/>
                           </a:solidFill>
                           <a:effectLst/>
                           <a:latin typeface="Calibri (Body)"/>
                         </a:rPr>
-                        <a:t>Hand-crafted escape sequences</a:t>
+                        <a:t> Hand-crafted escape sequences</a:t>
                       </a:r>
                     </a:p>
                   </a:txBody>
@@ -13258,15 +14602,32 @@
                     <a:p>
                       <a:pPr algn="l" fontAlgn="ctr"/>
                       <a:r>
-                        <a:rPr lang="en-US" sz="1500" b="0" i="0" u="none" strike="noStrike">
+                        <a:rPr lang="en-US" sz="1500" b="0" i="0" u="none" strike="noStrike" dirty="0">
                           <a:solidFill>
                             <a:srgbClr val="000000"/>
                           </a:solidFill>
                           <a:effectLst/>
                           <a:latin typeface="Calibri (Body)"/>
                         </a:rPr>
-                        <a:t>$PSStyle</a:t>
+                        <a:t> $</a:t>
                       </a:r>
+                      <a:r>
+                        <a:rPr lang="en-US" sz="1500" b="0" i="0" u="none" strike="noStrike" dirty="0" err="1">
+                          <a:solidFill>
+                            <a:srgbClr val="000000"/>
+                          </a:solidFill>
+                          <a:effectLst/>
+                          <a:latin typeface="Calibri (Body)"/>
+                        </a:rPr>
+                        <a:t>PSStyle</a:t>
+                      </a:r>
+                      <a:endParaRPr lang="en-US" sz="1500" b="0" i="0" u="none" strike="noStrike" dirty="0">
+                        <a:solidFill>
+                          <a:srgbClr val="000000"/>
+                        </a:solidFill>
+                        <a:effectLst/>
+                        <a:latin typeface="Calibri (Body)"/>
+                      </a:endParaRPr>
                     </a:p>
                   </a:txBody>
                   <a:tcPr marL="8872" marR="8872" marT="8872" marB="0" anchor="ctr">
@@ -13320,16 +14681,16 @@
                     <a:bodyPr/>
                     <a:lstStyle/>
                     <a:p>
-                      <a:pPr algn="ctr" fontAlgn="ctr"/>
+                      <a:pPr algn="l" fontAlgn="ctr"/>
                       <a:r>
-                        <a:rPr lang="en-US" sz="1500" b="0" i="0" u="none" strike="noStrike">
+                        <a:rPr lang="en-US" sz="1500" b="0" i="0" u="none" strike="noStrike" dirty="0">
                           <a:solidFill>
                             <a:srgbClr val="000000"/>
                           </a:solidFill>
                           <a:effectLst/>
                           <a:latin typeface="Calibri (Body)"/>
                         </a:rPr>
-                        <a:t>New cmdlets</a:t>
+                        <a:t> New cmdlets</a:t>
                       </a:r>
                     </a:p>
                   </a:txBody>
@@ -13379,14 +14740,14 @@
                     <a:p>
                       <a:pPr algn="l" fontAlgn="ctr"/>
                       <a:r>
-                        <a:rPr lang="en-US" sz="1500" b="0" i="0" u="none" strike="noStrike">
+                        <a:rPr lang="en-US" sz="1500" b="0" i="0" u="none" strike="noStrike" dirty="0">
                           <a:solidFill>
                             <a:srgbClr val="000000"/>
                           </a:solidFill>
                           <a:effectLst/>
                           <a:latin typeface="Calibri (Body)"/>
                         </a:rPr>
-                        <a:t> </a:t>
+                        <a:t> No new cmdlets</a:t>
                       </a:r>
                     </a:p>
                   </a:txBody>
@@ -13436,17 +14797,17 @@
                     <a:p>
                       <a:pPr algn="l" fontAlgn="ctr"/>
                       <a:r>
-                        <a:rPr lang="en-US" sz="1500" b="0" i="0" u="none" strike="noStrike">
+                        <a:rPr lang="en-US" sz="1500" b="0" i="0" u="none" strike="noStrike" dirty="0">
                           <a:solidFill>
                             <a:srgbClr val="000000"/>
                           </a:solidFill>
                           <a:effectLst/>
                           <a:latin typeface="Calibri (Body)"/>
                         </a:rPr>
-                        <a:t>*-Markdown</a:t>
+                        <a:t> Markdown cmdlets</a:t>
                       </a:r>
                       <a:br>
-                        <a:rPr lang="en-US" sz="1500" b="0" i="0" u="none" strike="noStrike">
+                        <a:rPr lang="en-US" sz="1500" b="0" i="0" u="none" strike="noStrike" dirty="0">
                           <a:solidFill>
                             <a:srgbClr val="000000"/>
                           </a:solidFill>
@@ -13455,17 +14816,17 @@
                         </a:rPr>
                       </a:br>
                       <a:r>
-                        <a:rPr lang="en-US" sz="1500" b="0" i="0" u="none" strike="noStrike">
+                        <a:rPr lang="en-US" sz="1500" b="0" i="0" u="none" strike="noStrike" dirty="0">
                           <a:solidFill>
                             <a:srgbClr val="000000"/>
                           </a:solidFill>
                           <a:effectLst/>
                           <a:latin typeface="Calibri (Body)"/>
                         </a:rPr>
-                        <a:t>Get-Error</a:t>
+                        <a:t> Get-Error</a:t>
                       </a:r>
                       <a:br>
-                        <a:rPr lang="en-US" sz="1500" b="0" i="0" u="none" strike="noStrike">
+                        <a:rPr lang="en-US" sz="1500" b="0" i="0" u="none" strike="noStrike" dirty="0">
                           <a:solidFill>
                             <a:srgbClr val="000000"/>
                           </a:solidFill>
@@ -13474,17 +14835,17 @@
                         </a:rPr>
                       </a:br>
                       <a:r>
-                        <a:rPr lang="en-US" sz="1500" b="0" i="0" u="none" strike="noStrike">
+                        <a:rPr lang="en-US" sz="1500" b="0" i="0" u="none" strike="noStrike" dirty="0">
                           <a:solidFill>
                             <a:srgbClr val="000000"/>
                           </a:solidFill>
                           <a:effectLst/>
                           <a:latin typeface="Calibri (Body)"/>
                         </a:rPr>
-                        <a:t>Get-Uptime</a:t>
+                        <a:t> Get-Uptime</a:t>
                       </a:r>
                       <a:br>
-                        <a:rPr lang="en-US" sz="1500" b="0" i="0" u="none" strike="noStrike">
+                        <a:rPr lang="en-US" sz="1500" b="0" i="0" u="none" strike="noStrike" dirty="0">
                           <a:solidFill>
                             <a:srgbClr val="000000"/>
                           </a:solidFill>
@@ -13493,17 +14854,17 @@
                         </a:rPr>
                       </a:br>
                       <a:r>
-                        <a:rPr lang="en-US" sz="1500" b="0" i="0" u="none" strike="noStrike">
+                        <a:rPr lang="en-US" sz="1500" b="0" i="0" u="none" strike="noStrike" dirty="0">
                           <a:solidFill>
                             <a:srgbClr val="000000"/>
                           </a:solidFill>
                           <a:effectLst/>
                           <a:latin typeface="Calibri (Body)"/>
                         </a:rPr>
-                        <a:t>Remove-Alias</a:t>
+                        <a:t> Remove-Alias</a:t>
                       </a:r>
                       <a:br>
-                        <a:rPr lang="en-US" sz="1500" b="0" i="0" u="none" strike="noStrike">
+                        <a:rPr lang="en-US" sz="1500" b="0" i="0" u="none" strike="noStrike" dirty="0">
                           <a:solidFill>
                             <a:srgbClr val="000000"/>
                           </a:solidFill>
@@ -13512,14 +14873,14 @@
                         </a:rPr>
                       </a:br>
                       <a:r>
-                        <a:rPr lang="en-US" sz="1500" b="0" i="0" u="none" strike="noStrike">
+                        <a:rPr lang="en-US" sz="1500" b="0" i="0" u="none" strike="noStrike" dirty="0">
                           <a:solidFill>
                             <a:srgbClr val="000000"/>
                           </a:solidFill>
                           <a:effectLst/>
                           <a:latin typeface="Calibri (Body)"/>
                         </a:rPr>
-                        <a:t>Remove-Service</a:t>
+                        <a:t> Remove-Service</a:t>
                       </a:r>
                     </a:p>
                   </a:txBody>
@@ -13574,16 +14935,16 @@
                     <a:bodyPr/>
                     <a:lstStyle/>
                     <a:p>
-                      <a:pPr algn="ctr" fontAlgn="ctr"/>
+                      <a:pPr algn="l" fontAlgn="ctr"/>
                       <a:r>
-                        <a:rPr lang="en-US" sz="1500" b="0" i="0" u="none" strike="noStrike">
+                        <a:rPr lang="en-US" sz="1500" b="0" i="0" u="none" strike="noStrike" dirty="0">
                           <a:solidFill>
                             <a:srgbClr val="000000"/>
                           </a:solidFill>
                           <a:effectLst/>
                           <a:latin typeface="Calibri (Body)"/>
                         </a:rPr>
-                        <a:t>Removed cmdlets</a:t>
+                        <a:t> Removed cmdlets</a:t>
                       </a:r>
                     </a:p>
                   </a:txBody>
@@ -13633,129 +14994,28 @@
                     <a:p>
                       <a:pPr algn="l" fontAlgn="ctr"/>
                       <a:r>
-                        <a:rPr lang="en-US" sz="1500" b="0" i="0" u="none" strike="noStrike">
+                        <a:rPr lang="en-US" sz="1500" b="0" i="0" u="none" strike="noStrike" dirty="0">
                           <a:solidFill>
                             <a:srgbClr val="000000"/>
                           </a:solidFill>
                           <a:effectLst/>
                           <a:latin typeface="Calibri (Body)"/>
                         </a:rPr>
-                        <a:t>*-</a:t>
+                        <a:t> Has WMI cmdlets</a:t>
                       </a:r>
+                    </a:p>
+                    <a:p>
+                      <a:pPr algn="l" fontAlgn="ctr"/>
                       <a:r>
-                        <a:rPr lang="en-US" sz="1500" b="0" i="0" u="none" strike="noStrike" err="1">
+                        <a:rPr lang="en-US" sz="1500" b="0" i="0" u="none" strike="noStrike" dirty="0">
                           <a:solidFill>
                             <a:srgbClr val="000000"/>
                           </a:solidFill>
                           <a:effectLst/>
                           <a:latin typeface="Calibri (Body)"/>
                         </a:rPr>
-                        <a:t>Wmi</a:t>
+                        <a:t> Has Workflow cmdlets</a:t>
                       </a:r>
-                      <a:r>
-                        <a:rPr lang="en-US" sz="1500" b="0" i="0" u="none" strike="noStrike">
-                          <a:solidFill>
-                            <a:srgbClr val="000000"/>
-                          </a:solidFill>
-                          <a:effectLst/>
-                          <a:latin typeface="Calibri (Body)"/>
-                        </a:rPr>
-                        <a:t>*</a:t>
-                      </a:r>
-                      <a:br>
-                        <a:rPr lang="en-US" sz="1500" b="0" i="0" u="none" strike="noStrike">
-                          <a:solidFill>
-                            <a:srgbClr val="000000"/>
-                          </a:solidFill>
-                          <a:effectLst/>
-                          <a:latin typeface="Calibri (Body)"/>
-                        </a:rPr>
-                      </a:br>
-                      <a:r>
-                        <a:rPr lang="en-US" sz="1500" b="0" i="0" u="none" strike="noStrike">
-                          <a:solidFill>
-                            <a:srgbClr val="000000"/>
-                          </a:solidFill>
-                          <a:effectLst/>
-                          <a:latin typeface="Calibri (Body)"/>
-                        </a:rPr>
-                        <a:t>New-</a:t>
-                      </a:r>
-                      <a:r>
-                        <a:rPr lang="en-US" sz="1500" b="0" i="0" u="none" strike="noStrike" err="1">
-                          <a:solidFill>
-                            <a:srgbClr val="000000"/>
-                          </a:solidFill>
-                          <a:effectLst/>
-                          <a:latin typeface="Calibri (Body)"/>
-                        </a:rPr>
-                        <a:t>PSWorkflowSession</a:t>
-                      </a:r>
-                      <a:br>
-                        <a:rPr lang="en-US" sz="1500" b="0" i="0" u="none" strike="noStrike">
-                          <a:solidFill>
-                            <a:srgbClr val="000000"/>
-                          </a:solidFill>
-                          <a:effectLst/>
-                          <a:latin typeface="Calibri (Body)"/>
-                        </a:rPr>
-                      </a:br>
-                      <a:r>
-                        <a:rPr lang="en-US" sz="1500" b="0" i="0" u="none" strike="noStrike">
-                          <a:solidFill>
-                            <a:srgbClr val="000000"/>
-                          </a:solidFill>
-                          <a:effectLst/>
-                          <a:latin typeface="Calibri (Body)"/>
-                        </a:rPr>
-                        <a:t>New-</a:t>
-                      </a:r>
-                      <a:r>
-                        <a:rPr lang="en-US" sz="1500" b="0" i="0" u="none" strike="noStrike" err="1">
-                          <a:solidFill>
-                            <a:srgbClr val="000000"/>
-                          </a:solidFill>
-                          <a:effectLst/>
-                          <a:latin typeface="Calibri (Body)"/>
-                        </a:rPr>
-                        <a:t>PSWorkflowExecutionOption</a:t>
-                      </a:r>
-                      <a:br>
-                        <a:rPr lang="en-US" sz="1500" b="0" i="0" u="none" strike="noStrike">
-                          <a:solidFill>
-                            <a:srgbClr val="000000"/>
-                          </a:solidFill>
-                          <a:effectLst/>
-                          <a:latin typeface="Calibri (Body)"/>
-                        </a:rPr>
-                      </a:br>
-                      <a:r>
-                        <a:rPr lang="en-US" sz="1500" b="0" i="0" u="none" strike="noStrike">
-                          <a:solidFill>
-                            <a:srgbClr val="000000"/>
-                          </a:solidFill>
-                          <a:effectLst/>
-                          <a:latin typeface="Calibri (Body)"/>
-                        </a:rPr>
-                        <a:t>Invoke-</a:t>
-                      </a:r>
-                      <a:r>
-                        <a:rPr lang="en-US" sz="1500" b="0" i="0" u="none" strike="noStrike" err="1">
-                          <a:solidFill>
-                            <a:srgbClr val="000000"/>
-                          </a:solidFill>
-                          <a:effectLst/>
-                          <a:latin typeface="Calibri (Body)"/>
-                        </a:rPr>
-                        <a:t>AsWorkflow</a:t>
-                      </a:r>
-                      <a:endParaRPr lang="en-US" sz="1500" b="0" i="0" u="none" strike="noStrike">
-                        <a:solidFill>
-                          <a:srgbClr val="000000"/>
-                        </a:solidFill>
-                        <a:effectLst/>
-                        <a:latin typeface="Calibri (Body)"/>
-                      </a:endParaRPr>
                     </a:p>
                   </a:txBody>
                   <a:tcPr marL="8872" marR="8872" marT="8872" marB="0" anchor="ctr">
@@ -13804,17 +15064,17 @@
                     <a:p>
                       <a:pPr algn="l" fontAlgn="ctr"/>
                       <a:r>
-                        <a:rPr lang="en-US" sz="1500" b="0" i="0" u="none" strike="noStrike">
+                        <a:rPr lang="en-US" sz="1500" b="0" i="0" u="none" strike="noStrike" dirty="0">
                           <a:solidFill>
                             <a:srgbClr val="000000"/>
                           </a:solidFill>
                           <a:effectLst/>
                           <a:latin typeface="Calibri (Body)"/>
                         </a:rPr>
-                        <a:t>Use </a:t>
+                        <a:t> Use </a:t>
                       </a:r>
                       <a:r>
-                        <a:rPr lang="en-US" sz="1500" b="0" i="0" u="none" strike="noStrike" err="1">
+                        <a:rPr lang="en-US" sz="1500" b="0" i="0" u="none" strike="noStrike" dirty="0" err="1">
                           <a:solidFill>
                             <a:srgbClr val="000000"/>
                           </a:solidFill>
@@ -13824,7 +15084,7 @@
                         <a:t>CimCmdlets</a:t>
                       </a:r>
                       <a:r>
-                        <a:rPr lang="en-US" sz="1500" b="0" i="0" u="none" strike="noStrike">
+                        <a:rPr lang="en-US" sz="1500" b="0" i="0" u="none" strike="noStrike" dirty="0">
                           <a:solidFill>
                             <a:srgbClr val="000000"/>
                           </a:solidFill>
@@ -13833,24 +15093,18 @@
                         </a:rPr>
                         <a:t> module instead</a:t>
                       </a:r>
-                      <a:br>
-                        <a:rPr lang="en-US" sz="1500" b="0" i="0" u="none" strike="noStrike">
+                    </a:p>
+                    <a:p>
+                      <a:pPr algn="l" fontAlgn="ctr"/>
+                      <a:r>
+                        <a:rPr lang="en-US" sz="1500" b="0" i="0" u="none" strike="noStrike" dirty="0">
                           <a:solidFill>
                             <a:srgbClr val="000000"/>
                           </a:solidFill>
                           <a:effectLst/>
                           <a:latin typeface="Calibri (Body)"/>
                         </a:rPr>
-                      </a:br>
-                      <a:r>
-                        <a:rPr lang="en-US" sz="1500" b="0" i="0" u="none" strike="noStrike">
-                          <a:solidFill>
-                            <a:srgbClr val="000000"/>
-                          </a:solidFill>
-                          <a:effectLst/>
-                          <a:latin typeface="Calibri (Body)"/>
-                        </a:rPr>
-                        <a:t>No workflows</a:t>
+                        <a:t> No support for workflows</a:t>
                       </a:r>
                     </a:p>
                   </a:txBody>
@@ -13905,16 +15159,16 @@
                     <a:bodyPr/>
                     <a:lstStyle/>
                     <a:p>
-                      <a:pPr algn="ctr" fontAlgn="ctr"/>
+                      <a:pPr algn="l" fontAlgn="ctr"/>
                       <a:r>
-                        <a:rPr lang="en-US" sz="1500" b="0" i="0" u="none" strike="noStrike">
+                        <a:rPr lang="en-US" sz="1500" b="0" i="0" u="none" strike="noStrike" dirty="0">
                           <a:solidFill>
                             <a:srgbClr val="000000"/>
                           </a:solidFill>
                           <a:effectLst/>
                           <a:latin typeface="Calibri (Body)"/>
                         </a:rPr>
-                        <a:t>Changed cmdlets</a:t>
+                        <a:t> Changed cmdlets</a:t>
                       </a:r>
                     </a:p>
                   </a:txBody>
@@ -13964,33 +15218,27 @@
                     <a:p>
                       <a:pPr algn="l" fontAlgn="ctr"/>
                       <a:r>
-                        <a:rPr lang="da-DK" sz="1500" b="0" i="0" u="none" strike="noStrike">
+                        <a:rPr lang="da-DK" sz="1500" b="0" i="0" u="none" strike="noStrike" dirty="0">
                           <a:solidFill>
                             <a:srgbClr val="000000"/>
                           </a:solidFill>
                           <a:effectLst/>
                           <a:latin typeface="Calibri (Body)"/>
                         </a:rPr>
-                        <a:t>Type information for CSV cmdlets</a:t>
+                        <a:t> Type information for CSV cmdlets</a:t>
                       </a:r>
-                      <a:br>
-                        <a:rPr lang="da-DK" sz="1500" b="0" i="0" u="none" strike="noStrike">
+                    </a:p>
+                    <a:p>
+                      <a:pPr algn="l" fontAlgn="ctr"/>
+                      <a:r>
+                        <a:rPr lang="da-DK" sz="1500" b="0" i="0" u="none" strike="noStrike" dirty="0">
                           <a:solidFill>
                             <a:srgbClr val="000000"/>
                           </a:solidFill>
                           <a:effectLst/>
                           <a:latin typeface="Calibri (Body)"/>
                         </a:rPr>
-                      </a:br>
-                      <a:r>
-                        <a:rPr lang="da-DK" sz="1500" b="0" i="0" u="none" strike="noStrike">
-                          <a:solidFill>
-                            <a:srgbClr val="000000"/>
-                          </a:solidFill>
-                          <a:effectLst/>
-                          <a:latin typeface="Calibri (Body)"/>
-                        </a:rPr>
-                        <a:t>Web cmdlets</a:t>
+                        <a:t> Web cmdlets</a:t>
                       </a:r>
                     </a:p>
                   </a:txBody>
@@ -14040,17 +15288,17 @@
                     <a:p>
                       <a:pPr algn="l" fontAlgn="ctr"/>
                       <a:r>
-                        <a:rPr lang="en-US" sz="1500" b="0" i="0" u="none" strike="noStrike">
+                        <a:rPr lang="en-US" sz="1500" b="0" i="0" u="none" strike="noStrike" dirty="0">
                           <a:solidFill>
                             <a:srgbClr val="000000"/>
                           </a:solidFill>
                           <a:effectLst/>
                           <a:latin typeface="Calibri (Body)"/>
                         </a:rPr>
-                        <a:t>Test-Connection</a:t>
+                        <a:t> Test-Connection</a:t>
                       </a:r>
                       <a:br>
-                        <a:rPr lang="en-US" sz="1500" b="0" i="0" u="none" strike="noStrike">
+                        <a:rPr lang="en-US" sz="1500" b="0" i="0" u="none" strike="noStrike" dirty="0">
                           <a:solidFill>
                             <a:srgbClr val="000000"/>
                           </a:solidFill>
@@ -14059,17 +15307,27 @@
                         </a:rPr>
                       </a:br>
                       <a:r>
-                        <a:rPr lang="en-US" sz="1500" b="0" i="0" u="none" strike="noStrike">
+                        <a:rPr lang="en-US" sz="1500" b="0" i="0" u="none" strike="noStrike" dirty="0">
                           <a:solidFill>
                             <a:srgbClr val="000000"/>
                           </a:solidFill>
                           <a:effectLst/>
                           <a:latin typeface="Calibri (Body)"/>
                         </a:rPr>
-                        <a:t>Invoke-RestMethod</a:t>
+                        <a:t> Invoke-</a:t>
+                      </a:r>
+                      <a:r>
+                        <a:rPr lang="en-US" sz="1500" b="0" i="0" u="none" strike="noStrike" dirty="0" err="1">
+                          <a:solidFill>
+                            <a:srgbClr val="000000"/>
+                          </a:solidFill>
+                          <a:effectLst/>
+                          <a:latin typeface="Calibri (Body)"/>
+                        </a:rPr>
+                        <a:t>RestMethod</a:t>
                       </a:r>
                       <a:br>
-                        <a:rPr lang="en-US" sz="1500" b="0" i="0" u="none" strike="noStrike">
+                        <a:rPr lang="en-US" sz="1500" b="0" i="0" u="none" strike="noStrike" dirty="0">
                           <a:solidFill>
                             <a:srgbClr val="000000"/>
                           </a:solidFill>
@@ -14078,17 +15336,27 @@
                         </a:rPr>
                       </a:br>
                       <a:r>
-                        <a:rPr lang="en-US" sz="1500" b="0" i="0" u="none" strike="noStrike">
+                        <a:rPr lang="en-US" sz="1500" b="0" i="0" u="none" strike="noStrike" dirty="0">
                           <a:solidFill>
                             <a:srgbClr val="000000"/>
                           </a:solidFill>
                           <a:effectLst/>
                           <a:latin typeface="Calibri (Body)"/>
                         </a:rPr>
-                        <a:t>Invoke-WebRequest</a:t>
+                        <a:t> Invoke-</a:t>
+                      </a:r>
+                      <a:r>
+                        <a:rPr lang="en-US" sz="1500" b="0" i="0" u="none" strike="noStrike" dirty="0" err="1">
+                          <a:solidFill>
+                            <a:srgbClr val="000000"/>
+                          </a:solidFill>
+                          <a:effectLst/>
+                          <a:latin typeface="Calibri (Body)"/>
+                        </a:rPr>
+                        <a:t>WebRequest</a:t>
                       </a:r>
                       <a:br>
-                        <a:rPr lang="en-US" sz="1500" b="0" i="0" u="none" strike="noStrike">
+                        <a:rPr lang="en-US" sz="1500" b="0" i="0" u="none" strike="noStrike" dirty="0">
                           <a:solidFill>
                             <a:srgbClr val="000000"/>
                           </a:solidFill>
@@ -14097,14 +15365,34 @@
                         </a:rPr>
                       </a:br>
                       <a:r>
-                        <a:rPr lang="en-US" sz="1500" b="0" i="0" u="none" strike="noStrike">
+                        <a:rPr lang="en-US" sz="1500" b="0" i="0" u="none" strike="noStrike" dirty="0">
                           <a:solidFill>
                             <a:srgbClr val="000000"/>
                           </a:solidFill>
                           <a:effectLst/>
                           <a:latin typeface="Calibri (Body)"/>
                         </a:rPr>
-                        <a:t>ForEach-Object -Parallel</a:t>
+                        <a:t> </a:t>
+                      </a:r>
+                      <a:r>
+                        <a:rPr lang="en-US" sz="1500" b="0" i="0" u="none" strike="noStrike" dirty="0" err="1">
+                          <a:solidFill>
+                            <a:srgbClr val="000000"/>
+                          </a:solidFill>
+                          <a:effectLst/>
+                          <a:latin typeface="Calibri (Body)"/>
+                        </a:rPr>
+                        <a:t>ForEach</a:t>
+                      </a:r>
+                      <a:r>
+                        <a:rPr lang="en-US" sz="1500" b="0" i="0" u="none" strike="noStrike" dirty="0">
+                          <a:solidFill>
+                            <a:srgbClr val="000000"/>
+                          </a:solidFill>
+                          <a:effectLst/>
+                          <a:latin typeface="Calibri (Body)"/>
+                        </a:rPr>
+                        <a:t>-Object -Parallel</a:t>
                       </a:r>
                     </a:p>
                   </a:txBody>
@@ -14159,16 +15447,16 @@
                     <a:bodyPr/>
                     <a:lstStyle/>
                     <a:p>
-                      <a:pPr algn="ctr" fontAlgn="ctr"/>
+                      <a:pPr marL="52388" indent="-52388" algn="l" fontAlgn="ctr"/>
                       <a:r>
-                        <a:rPr lang="en-US" sz="1500" b="0" i="0" u="none" strike="noStrike">
+                        <a:rPr lang="en-US" sz="1500" b="0" i="0" u="none" strike="noStrike" dirty="0">
                           <a:solidFill>
                             <a:srgbClr val="000000"/>
                           </a:solidFill>
                           <a:effectLst/>
                           <a:latin typeface="Calibri (Body)"/>
                         </a:rPr>
-                        <a:t>Experimental features</a:t>
+                        <a:t> Experimental features</a:t>
                       </a:r>
                     </a:p>
                   </a:txBody>
@@ -14216,16 +15504,16 @@
                     <a:bodyPr/>
                     <a:lstStyle/>
                     <a:p>
-                      <a:pPr algn="ctr" fontAlgn="ctr"/>
+                      <a:pPr algn="l" fontAlgn="ctr"/>
                       <a:r>
-                        <a:rPr lang="en-US" sz="1500" b="0" i="0" u="none" strike="noStrike">
+                        <a:rPr lang="en-US" sz="1500" b="0" i="0" u="none" strike="noStrike" dirty="0">
                           <a:solidFill>
                             <a:srgbClr val="000000"/>
                           </a:solidFill>
                           <a:effectLst/>
                           <a:latin typeface="Calibri (Body)"/>
                         </a:rPr>
-                        <a:t>No</a:t>
+                        <a:t> No experimental features</a:t>
                       </a:r>
                     </a:p>
                   </a:txBody>
@@ -14273,17 +15561,94 @@
                     <a:bodyPr/>
                     <a:lstStyle/>
                     <a:p>
-                      <a:pPr algn="ctr" fontAlgn="ctr"/>
+                      <a:pPr algn="l" fontAlgn="ctr"/>
                       <a:r>
-                        <a:rPr lang="en-US" sz="1500" b="0" i="0" u="none" strike="noStrike">
+                        <a:rPr lang="en-US" sz="1500" b="0" i="0" u="none" strike="noStrike" dirty="0">
                           <a:solidFill>
                             <a:srgbClr val="000000"/>
                           </a:solidFill>
                           <a:effectLst/>
                           <a:latin typeface="Calibri (Body)"/>
                         </a:rPr>
-                        <a:t>Yes</a:t>
+                        <a:t> Disable-</a:t>
                       </a:r>
+                      <a:r>
+                        <a:rPr lang="en-US" sz="1500" b="0" i="0" u="none" strike="noStrike" dirty="0" err="1">
+                          <a:solidFill>
+                            <a:srgbClr val="000000"/>
+                          </a:solidFill>
+                          <a:effectLst/>
+                          <a:latin typeface="Calibri (Body)"/>
+                        </a:rPr>
+                        <a:t>ExperimentalFeature</a:t>
+                      </a:r>
+                      <a:endParaRPr lang="en-US" sz="1500" b="0" i="0" u="none" strike="noStrike" dirty="0">
+                        <a:solidFill>
+                          <a:srgbClr val="000000"/>
+                        </a:solidFill>
+                        <a:effectLst/>
+                        <a:latin typeface="Calibri (Body)"/>
+                      </a:endParaRPr>
+                    </a:p>
+                    <a:p>
+                      <a:pPr algn="l" fontAlgn="ctr"/>
+                      <a:r>
+                        <a:rPr lang="en-US" sz="1500" b="0" i="0" u="none" strike="noStrike" dirty="0">
+                          <a:solidFill>
+                            <a:srgbClr val="000000"/>
+                          </a:solidFill>
+                          <a:effectLst/>
+                          <a:latin typeface="Calibri (Body)"/>
+                        </a:rPr>
+                        <a:t> Enable-</a:t>
+                      </a:r>
+                      <a:r>
+                        <a:rPr lang="en-US" sz="1500" b="0" i="0" u="none" strike="noStrike" dirty="0" err="1">
+                          <a:solidFill>
+                            <a:srgbClr val="000000"/>
+                          </a:solidFill>
+                          <a:effectLst/>
+                          <a:latin typeface="Calibri (Body)"/>
+                        </a:rPr>
+                        <a:t>ExperimentalFeature</a:t>
+                      </a:r>
+                      <a:endParaRPr lang="en-US" sz="1500" b="0" i="0" u="none" strike="noStrike" dirty="0">
+                        <a:solidFill>
+                          <a:srgbClr val="000000"/>
+                        </a:solidFill>
+                        <a:effectLst/>
+                        <a:latin typeface="Calibri (Body)"/>
+                      </a:endParaRPr>
+                    </a:p>
+                    <a:p>
+                      <a:pPr algn="l" fontAlgn="ctr"/>
+                      <a:r>
+                        <a:rPr lang="en-US" sz="1500" b="0" i="0" u="none" strike="noStrike" dirty="0">
+                          <a:solidFill>
+                            <a:srgbClr val="000000"/>
+                          </a:solidFill>
+                          <a:effectLst/>
+                          <a:latin typeface="Calibri (Body)"/>
+                        </a:rPr>
+                        <a:t> Get-</a:t>
+                      </a:r>
+                      <a:r>
+                        <a:rPr lang="en-US" sz="1500" b="0" i="0" u="none" strike="noStrike" dirty="0" err="1">
+                          <a:solidFill>
+                            <a:srgbClr val="000000"/>
+                          </a:solidFill>
+                          <a:effectLst/>
+                          <a:latin typeface="Calibri (Body)"/>
+                        </a:rPr>
+                        <a:t>ExperimentalFeature</a:t>
+                      </a:r>
+                      <a:endParaRPr lang="en-US" sz="1500" b="0" i="0" u="none" strike="noStrike" dirty="0">
+                        <a:solidFill>
+                          <a:srgbClr val="000000"/>
+                        </a:solidFill>
+                        <a:effectLst/>
+                        <a:latin typeface="Calibri (Body)"/>
+                      </a:endParaRPr>
                     </a:p>
                   </a:txBody>
                   <a:tcPr marL="8872" marR="8872" marT="8872" marB="0" anchor="ctr">
@@ -14337,16 +15702,16 @@
                     <a:bodyPr/>
                     <a:lstStyle/>
                     <a:p>
-                      <a:pPr algn="ctr" fontAlgn="ctr"/>
+                      <a:pPr algn="l" fontAlgn="ctr"/>
                       <a:r>
-                        <a:rPr lang="en-US" sz="1500" b="0" i="0" u="none" strike="noStrike">
+                        <a:rPr lang="en-US" sz="1500" b="0" i="0" u="none" strike="noStrike" dirty="0">
                           <a:solidFill>
                             <a:srgbClr val="000000"/>
                           </a:solidFill>
                           <a:effectLst/>
                           <a:latin typeface="Calibri (Body)"/>
                         </a:rPr>
-                        <a:t>New operators</a:t>
+                        <a:t> New operators</a:t>
                       </a:r>
                     </a:p>
                   </a:txBody>
@@ -14396,14 +15761,14 @@
                     <a:p>
                       <a:pPr algn="l" fontAlgn="ctr"/>
                       <a:r>
-                        <a:rPr lang="en-US" sz="1500" b="0" i="0" u="none" strike="noStrike">
+                        <a:rPr lang="en-US" sz="1500" b="0" i="0" u="none" strike="noStrike" dirty="0">
                           <a:solidFill>
                             <a:srgbClr val="000000"/>
                           </a:solidFill>
                           <a:effectLst/>
                           <a:latin typeface="Calibri (Body)"/>
                         </a:rPr>
-                        <a:t> </a:t>
+                        <a:t> No new operators</a:t>
                       </a:r>
                     </a:p>
                   </a:txBody>
@@ -14453,14 +15818,14 @@
                     <a:p>
                       <a:pPr algn="l" fontAlgn="ctr"/>
                       <a:r>
-                        <a:rPr lang="en-US" sz="1500" b="0" i="0" u="none" strike="noStrike">
+                        <a:rPr lang="en-US" sz="1500" b="0" i="0" u="none" strike="noStrike" dirty="0">
                           <a:solidFill>
                             <a:srgbClr val="000000"/>
                           </a:solidFill>
                           <a:effectLst/>
                           <a:latin typeface="Calibri (Body)"/>
                         </a:rPr>
-                        <a:t>null, ternary, and chain operators</a:t>
+                        <a:t> null, ternary, and chain operators</a:t>
                       </a:r>
                     </a:p>
                   </a:txBody>
@@ -14515,16 +15880,16 @@
                     <a:bodyPr/>
                     <a:lstStyle/>
                     <a:p>
-                      <a:pPr algn="ctr" fontAlgn="ctr"/>
+                      <a:pPr algn="l" fontAlgn="ctr"/>
                       <a:r>
-                        <a:rPr lang="en-US" sz="1500" b="0" i="0" u="none" strike="noStrike">
+                        <a:rPr lang="en-US" sz="1500" b="0" i="0" u="none" strike="noStrike" dirty="0">
                           <a:solidFill>
                             <a:srgbClr val="000000"/>
                           </a:solidFill>
                           <a:effectLst/>
                           <a:latin typeface="Calibri (Body)"/>
                         </a:rPr>
-                        <a:t>Encoding defaults</a:t>
+                        <a:t> Encoding defaults</a:t>
                       </a:r>
                     </a:p>
                   </a:txBody>
@@ -14631,7 +15996,7 @@
                     <a:p>
                       <a:pPr algn="ctr" fontAlgn="ctr"/>
                       <a:r>
-                        <a:rPr lang="en-US" sz="1500" b="0" i="0" u="none" strike="noStrike">
+                        <a:rPr lang="en-US" sz="1500" b="0" i="0" u="none" strike="noStrike" dirty="0">
                           <a:solidFill>
                             <a:srgbClr val="000000"/>
                           </a:solidFill>
@@ -14704,7 +16069,7 @@
 </p:sld>
 </file>
 
-<file path=ppt/slides/slide6.xml><?xml version="1.0" encoding="utf-8"?>
+<file path=ppt/slides/slide7.xml><?xml version="1.0" encoding="utf-8"?>
 <p:sld xmlns:a="http://schemas.openxmlformats.org/drawingml/2006/main" xmlns:r="http://schemas.openxmlformats.org/officeDocument/2006/relationships" xmlns:p="http://schemas.openxmlformats.org/presentationml/2006/main">
   <p:cSld>
     <p:bg>
@@ -14979,56 +16344,6 @@
           </a:p>
         </p:txBody>
       </p:sp>
-      <p:sp>
-        <p:nvSpPr>
-          <p:cNvPr id="2" name="Footer Placeholder 1">
-            <a:extLst>
-              <a:ext uri="{FF2B5EF4-FFF2-40B4-BE49-F238E27FC236}">
-                <a16:creationId xmlns:a16="http://schemas.microsoft.com/office/drawing/2014/main" id="{BA3868C8-AA09-37F2-6624-17F94FD88228}"/>
-              </a:ext>
-            </a:extLst>
-          </p:cNvPr>
-          <p:cNvSpPr>
-            <a:spLocks noGrp="1"/>
-          </p:cNvSpPr>
-          <p:nvPr>
-            <p:ph type="ftr" sz="quarter" idx="11"/>
-          </p:nvPr>
-        </p:nvSpPr>
-        <p:spPr>
-          <a:xfrm>
-            <a:off x="4038600" y="6356350"/>
-            <a:ext cx="4114800" cy="365125"/>
-          </a:xfrm>
-        </p:spPr>
-        <p:txBody>
-          <a:bodyPr vert="horz" lIns="91440" tIns="45720" rIns="91440" bIns="45720" rtlCol="0" anchor="ctr">
-            <a:normAutofit/>
-          </a:bodyPr>
-          <a:lstStyle/>
-          <a:p>
-            <a:pPr>
-              <a:spcAft>
-                <a:spcPts val="600"/>
-              </a:spcAft>
-            </a:pPr>
-            <a:r>
-              <a:rPr lang="en-US" sz="1100" kern="1200">
-                <a:solidFill>
-                  <a:schemeClr val="tx1">
-                    <a:lumMod val="50000"/>
-                    <a:lumOff val="50000"/>
-                  </a:schemeClr>
-                </a:solidFill>
-                <a:latin typeface="+mn-lt"/>
-                <a:ea typeface="+mn-ea"/>
-                <a:cs typeface="+mn-cs"/>
-              </a:rPr>
-              <a:t>Scan the QR code on the room poster to fill out session evaluations</a:t>
-            </a:r>
-          </a:p>
-        </p:txBody>
-      </p:sp>
       <p:graphicFrame>
         <p:nvGraphicFramePr>
           <p:cNvPr id="11" name="Table 10">
@@ -15044,14 +16359,14 @@
           <p:nvPr>
             <p:extLst>
               <p:ext uri="{D42A27DB-BD31-4B8C-83A1-F6EECF244321}">
-                <p14:modId xmlns:p14="http://schemas.microsoft.com/office/powerpoint/2010/main" val="4117349832"/>
+                <p14:modId xmlns:p14="http://schemas.microsoft.com/office/powerpoint/2010/main" val="1269512942"/>
               </p:ext>
             </p:extLst>
           </p:nvPr>
         </p:nvGraphicFramePr>
         <p:xfrm>
-          <a:off x="669235" y="1099248"/>
-          <a:ext cx="6221896" cy="4666131"/>
+          <a:off x="677280" y="672440"/>
+          <a:ext cx="6221896" cy="5565314"/>
         </p:xfrm>
         <a:graphic>
           <a:graphicData uri="http://schemas.openxmlformats.org/drawingml/2006/table">
@@ -15276,22 +16591,22 @@
                   </a:ext>
                 </a:extLst>
               </a:tr>
-              <a:tr h="803812">
+              <a:tr h="899183">
                 <a:tc>
                   <a:txBody>
                     <a:bodyPr/>
                     <a:lstStyle/>
                     <a:p>
-                      <a:pPr algn="ctr" fontAlgn="ctr"/>
+                      <a:pPr marL="52388" indent="-52388" algn="l" fontAlgn="ctr"/>
                       <a:r>
-                        <a:rPr lang="en-US" sz="1700" b="0" i="0" u="none" strike="noStrike">
+                        <a:rPr lang="en-US" sz="1700" b="0" i="0" u="none" strike="noStrike" dirty="0">
                           <a:solidFill>
                             <a:srgbClr val="000000"/>
                           </a:solidFill>
                           <a:effectLst/>
                           <a:latin typeface="Calibri (Body)"/>
                         </a:rPr>
-                        <a:t>Modules &amp; cmdlets</a:t>
+                        <a:t> Modules &amp; cmdlets</a:t>
                       </a:r>
                     </a:p>
                   </a:txBody>
@@ -15340,7 +16655,7 @@
                     <a:lstStyle/>
                     <a:p>
                       <a:pPr algn="l" fontAlgn="ctr"/>
-                      <a:endParaRPr lang="en-US" sz="1700" b="0" i="0" u="none" strike="noStrike">
+                      <a:endParaRPr lang="en-US" sz="1700" b="0" i="0" u="none" strike="noStrike" dirty="0">
                         <a:solidFill>
                           <a:srgbClr val="000000"/>
                         </a:solidFill>
@@ -15395,7 +16710,7 @@
                     <a:p>
                       <a:pPr algn="l" fontAlgn="ctr"/>
                       <a:r>
-                        <a:rPr lang="en-US" sz="1700" b="0" i="0" u="none" strike="noStrike">
+                        <a:rPr lang="en-US" sz="1700" b="0" i="0" u="none" strike="noStrike" dirty="0">
                           <a:solidFill>
                             <a:srgbClr val="000000"/>
                           </a:solidFill>
@@ -15405,7 +16720,7 @@
                         <a:t> No </a:t>
                       </a:r>
                       <a:r>
-                        <a:rPr lang="en-US" sz="1700" b="0" i="0" u="none" strike="noStrike" err="1">
+                        <a:rPr lang="en-US" sz="1700" b="0" i="0" u="none" strike="noStrike" dirty="0" err="1">
                           <a:solidFill>
                             <a:srgbClr val="000000"/>
                           </a:solidFill>
@@ -15415,7 +16730,7 @@
                         <a:t>CimCmdlets</a:t>
                       </a:r>
                       <a:r>
-                        <a:rPr lang="en-US" sz="1700" b="0" i="0" u="none" strike="noStrike">
+                        <a:rPr lang="en-US" sz="1700" b="0" i="0" u="none" strike="noStrike" dirty="0">
                           <a:solidFill>
                             <a:srgbClr val="000000"/>
                           </a:solidFill>
@@ -15426,9 +16741,9 @@
                       </a:r>
                     </a:p>
                     <a:p>
-                      <a:pPr algn="l" fontAlgn="ctr"/>
+                      <a:pPr marL="52388" indent="-52388" algn="l" fontAlgn="ctr"/>
                       <a:r>
-                        <a:rPr lang="en-US" sz="1700" b="0" i="0" u="none" strike="noStrike">
+                        <a:rPr lang="en-US" sz="1700" b="0" i="0" u="none" strike="noStrike" dirty="0">
                           <a:solidFill>
                             <a:srgbClr val="000000"/>
                           </a:solidFill>
@@ -15490,16 +16805,16 @@
                     <a:bodyPr/>
                     <a:lstStyle/>
                     <a:p>
-                      <a:pPr algn="ctr" fontAlgn="ctr"/>
+                      <a:pPr marL="52388" indent="-52388" algn="l" fontAlgn="ctr"/>
                       <a:r>
-                        <a:rPr lang="en-US" sz="1700" b="0" i="0" u="none" strike="noStrike">
+                        <a:rPr lang="en-US" sz="1700" b="0" i="0" u="none" strike="noStrike" dirty="0">
                           <a:solidFill>
                             <a:srgbClr val="000000"/>
                           </a:solidFill>
                           <a:effectLst/>
                           <a:latin typeface="Calibri (Body)"/>
                         </a:rPr>
-                        <a:t>Graphical elements</a:t>
+                        <a:t> Graphical elements</a:t>
                       </a:r>
                     </a:p>
                   </a:txBody>
@@ -15549,7 +16864,7 @@
                     <a:p>
                       <a:pPr algn="l" fontAlgn="ctr"/>
                       <a:r>
-                        <a:rPr lang="en-US" sz="1700" b="0" i="0" u="none" strike="noStrike">
+                        <a:rPr lang="en-US" sz="1700" b="0" i="0" u="none" strike="noStrike" dirty="0">
                           <a:solidFill>
                             <a:srgbClr val="000000"/>
                           </a:solidFill>
@@ -15559,7 +16874,7 @@
                         <a:t> Out-</a:t>
                       </a:r>
                       <a:r>
-                        <a:rPr lang="en-US" sz="1700" b="0" i="0" u="none" strike="noStrike" err="1">
+                        <a:rPr lang="en-US" sz="1700" b="0" i="0" u="none" strike="noStrike" dirty="0" err="1">
                           <a:solidFill>
                             <a:srgbClr val="000000"/>
                           </a:solidFill>
@@ -15568,7 +16883,7 @@
                         </a:rPr>
                         <a:t>GridView</a:t>
                       </a:r>
-                      <a:endParaRPr lang="en-US" sz="1700" b="0" i="0" u="none" strike="noStrike">
+                      <a:endParaRPr lang="en-US" sz="1700" b="0" i="0" u="none" strike="noStrike" dirty="0">
                         <a:solidFill>
                           <a:srgbClr val="000000"/>
                         </a:solidFill>
@@ -15579,7 +16894,7 @@
                     <a:p>
                       <a:pPr algn="l" fontAlgn="ctr"/>
                       <a:r>
-                        <a:rPr lang="en-US" sz="1700" b="0" i="0" u="none" strike="noStrike">
+                        <a:rPr lang="en-US" sz="1700" b="0" i="0" u="none" strike="noStrike" dirty="0">
                           <a:solidFill>
                             <a:srgbClr val="000000"/>
                           </a:solidFill>
@@ -15589,7 +16904,7 @@
                         <a:t> -</a:t>
                       </a:r>
                       <a:r>
-                        <a:rPr lang="en-US" sz="1700" b="0" i="0" u="none" strike="noStrike" err="1">
+                        <a:rPr lang="en-US" sz="1700" b="0" i="0" u="none" strike="noStrike" dirty="0" err="1">
                           <a:solidFill>
                             <a:srgbClr val="000000"/>
                           </a:solidFill>
@@ -15599,7 +16914,7 @@
                         <a:t>ShowWindow</a:t>
                       </a:r>
                       <a:r>
-                        <a:rPr lang="en-US" sz="1700" b="0" i="0" u="none" strike="noStrike">
+                        <a:rPr lang="en-US" sz="1700" b="0" i="0" u="none" strike="noStrike" dirty="0">
                           <a:solidFill>
                             <a:srgbClr val="000000"/>
                           </a:solidFill>
@@ -15656,14 +16971,14 @@
                     <a:p>
                       <a:pPr algn="l" fontAlgn="ctr"/>
                       <a:r>
-                        <a:rPr lang="en-US" sz="1700" b="0" i="0" u="none" strike="noStrike">
+                        <a:rPr lang="en-US" sz="1700" b="0" i="0" u="none" strike="noStrike" dirty="0">
                           <a:solidFill>
                             <a:srgbClr val="000000"/>
                           </a:solidFill>
                           <a:effectLst/>
                           <a:latin typeface="Calibri (Body)"/>
                         </a:rPr>
-                        <a:t>Not available</a:t>
+                        <a:t> Not available</a:t>
                       </a:r>
                     </a:p>
                   </a:txBody>
@@ -15718,16 +17033,16 @@
                     <a:bodyPr/>
                     <a:lstStyle/>
                     <a:p>
-                      <a:pPr algn="ctr" fontAlgn="ctr"/>
+                      <a:pPr marL="52388" indent="-52388" algn="l" fontAlgn="ctr"/>
                       <a:r>
-                        <a:rPr lang="en-US" sz="1700" b="0" i="0" u="none" strike="noStrike">
+                        <a:rPr lang="en-US" sz="1700" b="0" i="0" u="none" strike="noStrike" dirty="0">
                           <a:solidFill>
                             <a:srgbClr val="000000"/>
                           </a:solidFill>
                           <a:effectLst/>
                           <a:latin typeface="Calibri (Body)"/>
                         </a:rPr>
-                        <a:t>Execution Policy</a:t>
+                        <a:t> Execution Policy</a:t>
                       </a:r>
                     </a:p>
                   </a:txBody>
@@ -15832,16 +17147,29 @@
                     <a:bodyPr/>
                     <a:lstStyle/>
                     <a:p>
-                      <a:pPr algn="l" fontAlgn="ctr"/>
+                      <a:pPr marL="52388" indent="-52388" algn="l" fontAlgn="ctr"/>
                       <a:r>
-                        <a:rPr lang="en-US" sz="1700" b="0" i="0" u="none" strike="noStrike">
+                        <a:rPr lang="en-US" sz="1700" b="0" i="0" u="none" strike="noStrike" dirty="0">
                           <a:solidFill>
                             <a:srgbClr val="000000"/>
                           </a:solidFill>
                           <a:effectLst/>
                           <a:latin typeface="Calibri (Body)"/>
                         </a:rPr>
-                        <a:t> Not used or supported – no Authenticode</a:t>
+                        <a:t> Not used or supported</a:t>
+                      </a:r>
+                    </a:p>
+                    <a:p>
+                      <a:pPr marL="52388" indent="-52388" algn="l" fontAlgn="ctr"/>
+                      <a:r>
+                        <a:rPr lang="en-US" sz="1700" b="0" i="0" u="none" strike="noStrike" dirty="0">
+                          <a:solidFill>
+                            <a:srgbClr val="000000"/>
+                          </a:solidFill>
+                          <a:effectLst/>
+                          <a:latin typeface="Calibri (Body)"/>
+                        </a:rPr>
+                        <a:t> No Authenticode</a:t>
                       </a:r>
                     </a:p>
                   </a:txBody>
@@ -15896,16 +17224,16 @@
                     <a:bodyPr/>
                     <a:lstStyle/>
                     <a:p>
-                      <a:pPr algn="ctr" fontAlgn="ctr"/>
+                      <a:pPr marL="52388" indent="-52388" algn="l" fontAlgn="ctr"/>
                       <a:r>
-                        <a:rPr lang="en-US" sz="1700" b="0" i="0" u="none" strike="noStrike">
+                        <a:rPr lang="en-US" sz="1700" b="0" i="0" u="none" strike="noStrike" dirty="0">
                           <a:solidFill>
                             <a:srgbClr val="000000"/>
                           </a:solidFill>
                           <a:effectLst/>
                           <a:latin typeface="Calibri (Body)"/>
                         </a:rPr>
-                        <a:t>Case-sensitivity</a:t>
+                        <a:t> Case-sensitivity</a:t>
                       </a:r>
                     </a:p>
                   </a:txBody>
@@ -16010,9 +17338,9 @@
                     <a:bodyPr/>
                     <a:lstStyle/>
                     <a:p>
-                      <a:pPr algn="l" fontAlgn="ctr"/>
+                      <a:pPr marL="52388" indent="-52388" algn="l" fontAlgn="ctr"/>
                       <a:r>
-                        <a:rPr lang="en-US" sz="1700" b="0" i="0" u="none" strike="noStrike">
+                        <a:rPr lang="en-US" sz="1700" b="0" i="0" u="none" strike="noStrike" dirty="0">
                           <a:solidFill>
                             <a:srgbClr val="000000"/>
                           </a:solidFill>
@@ -16074,16 +17402,16 @@
                     <a:bodyPr/>
                     <a:lstStyle/>
                     <a:p>
-                      <a:pPr algn="ctr" fontAlgn="ctr"/>
+                      <a:pPr marL="52388" indent="-52388" algn="l" fontAlgn="ctr"/>
                       <a:r>
-                        <a:rPr lang="en-US" sz="1700" b="0" i="0" u="none" strike="noStrike">
+                        <a:rPr lang="en-US" sz="1700" b="0" i="0" u="none" strike="noStrike" dirty="0">
                           <a:solidFill>
                             <a:srgbClr val="000000"/>
                           </a:solidFill>
                           <a:effectLst/>
                           <a:latin typeface="Calibri (Body)"/>
                         </a:rPr>
-                        <a:t>Aliases</a:t>
+                        <a:t> Aliases</a:t>
                       </a:r>
                     </a:p>
                   </a:txBody>
@@ -16131,9 +17459,9 @@
                     <a:bodyPr/>
                     <a:lstStyle/>
                     <a:p>
-                      <a:pPr algn="l" fontAlgn="ctr"/>
+                      <a:pPr marL="52388" indent="-52388" algn="l" fontAlgn="ctr"/>
                       <a:r>
-                        <a:rPr lang="da-DK" sz="1700" b="0" i="0" u="none" strike="noStrike">
+                        <a:rPr lang="da-DK" sz="1700" b="0" i="0" u="none" strike="noStrike" dirty="0">
                           <a:solidFill>
                             <a:srgbClr val="000000"/>
                           </a:solidFill>
@@ -16188,9 +17516,9 @@
                     <a:bodyPr/>
                     <a:lstStyle/>
                     <a:p>
-                      <a:pPr algn="l" fontAlgn="ctr"/>
+                      <a:pPr marL="52388" indent="-52388" algn="l" fontAlgn="ctr"/>
                       <a:r>
-                        <a:rPr lang="en-US" sz="1700" b="0" i="0" u="none" strike="noStrike">
+                        <a:rPr lang="en-US" sz="1700" b="0" i="0" u="none" strike="noStrike" dirty="0">
                           <a:solidFill>
                             <a:srgbClr val="000000"/>
                           </a:solidFill>
@@ -16252,16 +17580,16 @@
                     <a:bodyPr/>
                     <a:lstStyle/>
                     <a:p>
-                      <a:pPr algn="ctr" fontAlgn="ctr"/>
+                      <a:pPr algn="l" fontAlgn="ctr"/>
                       <a:r>
-                        <a:rPr lang="en-US" sz="1700" b="0" i="0" u="none" strike="noStrike">
+                        <a:rPr lang="en-US" sz="1700" b="0" i="0" u="none" strike="noStrike" dirty="0">
                           <a:solidFill>
                             <a:srgbClr val="000000"/>
                           </a:solidFill>
                           <a:effectLst/>
                           <a:latin typeface="Calibri (Body)"/>
                         </a:rPr>
-                        <a:t>Job Control</a:t>
+                        <a:t> Job Control</a:t>
                       </a:r>
                     </a:p>
                   </a:txBody>
@@ -16366,7 +17694,7 @@
                     <a:bodyPr/>
                     <a:lstStyle/>
                     <a:p>
-                      <a:pPr marL="0" marR="0" lvl="0" indent="0" algn="l" defTabSz="914400" rtl="0" eaLnBrk="1" fontAlgn="ctr" latinLnBrk="0" hangingPunct="1">
+                      <a:pPr marL="52388" marR="0" lvl="0" indent="-52388" algn="l" defTabSz="914400" rtl="0" eaLnBrk="1" fontAlgn="ctr" latinLnBrk="0" hangingPunct="1">
                         <a:lnSpc>
                           <a:spcPct val="100000"/>
                         </a:lnSpc>
@@ -16384,7 +17712,7 @@
                         <a:defRPr/>
                       </a:pPr>
                       <a:r>
-                        <a:rPr lang="en-US" sz="1700" b="0" i="0" u="none" strike="noStrike">
+                        <a:rPr lang="en-US" sz="1700" b="0" i="0" u="none" strike="noStrike" dirty="0">
                           <a:solidFill>
                             <a:srgbClr val="000000"/>
                           </a:solidFill>
@@ -16446,16 +17774,16 @@
                     <a:bodyPr/>
                     <a:lstStyle/>
                     <a:p>
-                      <a:pPr algn="ctr" fontAlgn="ctr"/>
+                      <a:pPr marL="52388" indent="-52388" algn="l" fontAlgn="ctr"/>
                       <a:r>
-                        <a:rPr lang="en-US" sz="1700" b="0" i="0" u="none" strike="noStrike">
+                        <a:rPr lang="en-US" sz="1700" b="0" i="0" u="none" strike="noStrike" dirty="0">
                           <a:solidFill>
                             <a:srgbClr val="000000"/>
                           </a:solidFill>
                           <a:effectLst/>
                           <a:latin typeface="Calibri (Body)"/>
                         </a:rPr>
-                        <a:t>Path and directory separators</a:t>
+                        <a:t> Path separators &amp; line ending</a:t>
                       </a:r>
                     </a:p>
                   </a:txBody>
@@ -16505,7 +17833,7 @@
                     <a:p>
                       <a:pPr algn="l" fontAlgn="ctr"/>
                       <a:r>
-                        <a:rPr lang="en-US" sz="1700" b="0" i="0" u="none" strike="noStrike">
+                        <a:rPr lang="en-US" sz="1700" b="0" i="0" u="none" strike="noStrike" dirty="0">
                           <a:solidFill>
                             <a:srgbClr val="000000"/>
                           </a:solidFill>
@@ -16518,7 +17846,7 @@
                     <a:p>
                       <a:pPr algn="l" fontAlgn="ctr"/>
                       <a:r>
-                        <a:rPr lang="en-US" sz="1700" b="0" i="0" u="none" strike="noStrike">
+                        <a:rPr lang="en-US" sz="1700" b="0" i="0" u="none" strike="noStrike" dirty="0">
                           <a:solidFill>
                             <a:srgbClr val="000000"/>
                           </a:solidFill>
@@ -16526,6 +17854,19 @@
                           <a:latin typeface="Calibri (Body)"/>
                         </a:rPr>
                         <a:t> Directory = ‘\’</a:t>
+                      </a:r>
+                    </a:p>
+                    <a:p>
+                      <a:pPr algn="l" fontAlgn="ctr"/>
+                      <a:r>
+                        <a:rPr lang="en-US" sz="1700" b="0" i="0" u="none" strike="noStrike" dirty="0">
+                          <a:solidFill>
+                            <a:srgbClr val="000000"/>
+                          </a:solidFill>
+                          <a:effectLst/>
+                          <a:latin typeface="Calibri (Body)"/>
+                        </a:rPr>
+                        <a:t> Line-ending = &lt;CRLF&gt;</a:t>
                       </a:r>
                     </a:p>
                   </a:txBody>
@@ -16575,7 +17916,7 @@
                     <a:p>
                       <a:pPr algn="l" fontAlgn="ctr"/>
                       <a:r>
-                        <a:rPr lang="en-US" sz="1700" b="0" i="0" u="none" strike="noStrike">
+                        <a:rPr lang="en-US" sz="1700" b="0" i="0" u="none" strike="noStrike" dirty="0">
                           <a:solidFill>
                             <a:srgbClr val="000000"/>
                           </a:solidFill>
@@ -16588,7 +17929,7 @@
                     <a:p>
                       <a:pPr algn="l" fontAlgn="ctr"/>
                       <a:r>
-                        <a:rPr lang="en-US" sz="1700" b="0" i="0" u="none" strike="noStrike">
+                        <a:rPr lang="en-US" sz="1700" b="0" i="0" u="none" strike="noStrike" dirty="0">
                           <a:solidFill>
                             <a:srgbClr val="000000"/>
                           </a:solidFill>
@@ -16598,6 +17939,26 @@
                         <a:t> Directory = ‘/’</a:t>
                       </a:r>
                     </a:p>
+                    <a:p>
+                      <a:pPr algn="l" fontAlgn="ctr"/>
+                      <a:r>
+                        <a:rPr lang="en-US" sz="1700" b="0" i="0" u="none" strike="noStrike">
+                          <a:solidFill>
+                            <a:srgbClr val="000000"/>
+                          </a:solidFill>
+                          <a:effectLst/>
+                          <a:latin typeface="Calibri (Body)"/>
+                        </a:rPr>
+                        <a:t> Line-ending = &lt;LF&gt;</a:t>
+                      </a:r>
+                      <a:endParaRPr lang="en-US" sz="1700" b="0" i="0" u="none" strike="noStrike" dirty="0">
+                        <a:solidFill>
+                          <a:srgbClr val="000000"/>
+                        </a:solidFill>
+                        <a:effectLst/>
+                        <a:latin typeface="Calibri (Body)"/>
+                      </a:endParaRPr>
+                    </a:p>
                   </a:txBody>
                   <a:tcPr marL="9846" marR="9846" marT="9846" marB="0" anchor="ctr">
                     <a:lnL w="6350" cap="flat" cmpd="sng" algn="ctr">
@@ -16641,6 +18002,210 @@
                 <a:extLst>
                   <a:ext uri="{0D108BD9-81ED-4DB2-BD59-A6C34878D82A}">
                     <a16:rowId xmlns:a16="http://schemas.microsoft.com/office/drawing/2014/main" val="1934092824"/>
+                  </a:ext>
+                </a:extLst>
+              </a:tr>
+              <a:tr h="803812">
+                <a:tc>
+                  <a:txBody>
+                    <a:bodyPr/>
+                    <a:lstStyle/>
+                    <a:p>
+                      <a:pPr marL="52388" indent="-52388" algn="l" fontAlgn="ctr"/>
+                      <a:r>
+                        <a:rPr lang="en-US" sz="1700" b="0" i="0" u="none" strike="noStrike" dirty="0">
+                          <a:solidFill>
+                            <a:srgbClr val="000000"/>
+                          </a:solidFill>
+                          <a:effectLst/>
+                          <a:latin typeface="Calibri (Body)"/>
+                        </a:rPr>
+                        <a:t> Environment variables</a:t>
+                      </a:r>
+                    </a:p>
+                  </a:txBody>
+                  <a:tcPr marL="9846" marR="9846" marT="9846" marB="0" anchor="ctr">
+                    <a:lnL w="12700" cap="flat" cmpd="sng" algn="ctr">
+                      <a:solidFill>
+                        <a:srgbClr val="000000"/>
+                      </a:solidFill>
+                      <a:prstDash val="solid"/>
+                      <a:round/>
+                      <a:headEnd type="none" w="med" len="med"/>
+                      <a:tailEnd type="none" w="med" len="med"/>
+                    </a:lnL>
+                    <a:lnR w="12700" cap="flat" cmpd="sng" algn="ctr">
+                      <a:solidFill>
+                        <a:srgbClr val="000000"/>
+                      </a:solidFill>
+                      <a:prstDash val="solid"/>
+                      <a:round/>
+                      <a:headEnd type="none" w="med" len="med"/>
+                      <a:tailEnd type="none" w="med" len="med"/>
+                    </a:lnR>
+                    <a:lnT w="6350" cap="flat" cmpd="sng" algn="ctr">
+                      <a:solidFill>
+                        <a:srgbClr val="000000"/>
+                      </a:solidFill>
+                      <a:prstDash val="solid"/>
+                      <a:round/>
+                      <a:headEnd type="none" w="med" len="med"/>
+                      <a:tailEnd type="none" w="med" len="med"/>
+                    </a:lnT>
+                    <a:lnB w="6350" cap="flat" cmpd="sng" algn="ctr">
+                      <a:solidFill>
+                        <a:srgbClr val="000000"/>
+                      </a:solidFill>
+                      <a:prstDash val="solid"/>
+                      <a:round/>
+                      <a:headEnd type="none" w="med" len="med"/>
+                      <a:tailEnd type="none" w="med" len="med"/>
+                    </a:lnB>
+                  </a:tcPr>
+                </a:tc>
+                <a:tc>
+                  <a:txBody>
+                    <a:bodyPr/>
+                    <a:lstStyle/>
+                    <a:p>
+                      <a:pPr algn="l" fontAlgn="ctr"/>
+                      <a:r>
+                        <a:rPr lang="en-US" sz="1700" b="0" i="0" u="none" strike="noStrike" dirty="0">
+                          <a:solidFill>
+                            <a:srgbClr val="000000"/>
+                          </a:solidFill>
+                          <a:effectLst/>
+                          <a:latin typeface="Calibri (Body)"/>
+                        </a:rPr>
+                        <a:t> Machine and User scopes</a:t>
+                      </a:r>
+                    </a:p>
+                    <a:p>
+                      <a:pPr algn="l" fontAlgn="ctr"/>
+                      <a:r>
+                        <a:rPr lang="en-US" sz="1700" b="0" i="0" u="none" strike="noStrike" dirty="0">
+                          <a:solidFill>
+                            <a:srgbClr val="000000"/>
+                          </a:solidFill>
+                          <a:effectLst/>
+                          <a:latin typeface="Calibri (Body)"/>
+                        </a:rPr>
+                        <a:t> Persisted in registry</a:t>
+                      </a:r>
+                    </a:p>
+                  </a:txBody>
+                  <a:tcPr marL="9846" marR="9846" marT="9846" marB="0" anchor="ctr">
+                    <a:lnL w="12700" cap="flat" cmpd="sng" algn="ctr">
+                      <a:solidFill>
+                        <a:srgbClr val="000000"/>
+                      </a:solidFill>
+                      <a:prstDash val="solid"/>
+                      <a:round/>
+                      <a:headEnd type="none" w="med" len="med"/>
+                      <a:tailEnd type="none" w="med" len="med"/>
+                    </a:lnL>
+                    <a:lnR w="6350" cap="flat" cmpd="sng" algn="ctr">
+                      <a:solidFill>
+                        <a:srgbClr val="000000"/>
+                      </a:solidFill>
+                      <a:prstDash val="solid"/>
+                      <a:round/>
+                      <a:headEnd type="none" w="med" len="med"/>
+                      <a:tailEnd type="none" w="med" len="med"/>
+                    </a:lnR>
+                    <a:lnT w="6350" cap="flat" cmpd="sng" algn="ctr">
+                      <a:solidFill>
+                        <a:srgbClr val="000000"/>
+                      </a:solidFill>
+                      <a:prstDash val="solid"/>
+                      <a:round/>
+                      <a:headEnd type="none" w="med" len="med"/>
+                      <a:tailEnd type="none" w="med" len="med"/>
+                    </a:lnT>
+                    <a:lnB w="6350" cap="flat" cmpd="sng" algn="ctr">
+                      <a:solidFill>
+                        <a:srgbClr val="000000"/>
+                      </a:solidFill>
+                      <a:prstDash val="solid"/>
+                      <a:round/>
+                      <a:headEnd type="none" w="med" len="med"/>
+                      <a:tailEnd type="none" w="med" len="med"/>
+                    </a:lnB>
+                  </a:tcPr>
+                </a:tc>
+                <a:tc>
+                  <a:txBody>
+                    <a:bodyPr/>
+                    <a:lstStyle/>
+                    <a:p>
+                      <a:pPr algn="l" fontAlgn="ctr"/>
+                      <a:r>
+                        <a:rPr lang="en-US" sz="1700" b="0" i="0" u="none" strike="noStrike" dirty="0">
+                          <a:solidFill>
+                            <a:srgbClr val="000000"/>
+                          </a:solidFill>
+                          <a:effectLst/>
+                          <a:latin typeface="Calibri (Body)"/>
+                        </a:rPr>
+                        <a:t> Only one scope</a:t>
+                      </a:r>
+                    </a:p>
+                    <a:p>
+                      <a:pPr algn="l" fontAlgn="ctr"/>
+                      <a:r>
+                        <a:rPr lang="en-US" sz="1700" b="0" i="0" u="none" strike="noStrike" dirty="0">
+                          <a:solidFill>
+                            <a:srgbClr val="000000"/>
+                          </a:solidFill>
+                          <a:effectLst/>
+                          <a:latin typeface="Calibri (Body)"/>
+                        </a:rPr>
+                        <a:t> Must add to profile script</a:t>
+                      </a:r>
+                    </a:p>
+                  </a:txBody>
+                  <a:tcPr marL="9846" marR="9846" marT="9846" marB="0" anchor="ctr">
+                    <a:lnL w="6350" cap="flat" cmpd="sng" algn="ctr">
+                      <a:solidFill>
+                        <a:srgbClr val="000000"/>
+                      </a:solidFill>
+                      <a:prstDash val="solid"/>
+                      <a:round/>
+                      <a:headEnd type="none" w="med" len="med"/>
+                      <a:tailEnd type="none" w="med" len="med"/>
+                    </a:lnL>
+                    <a:lnR w="12700" cap="flat" cmpd="sng" algn="ctr">
+                      <a:solidFill>
+                        <a:srgbClr val="000000"/>
+                      </a:solidFill>
+                      <a:prstDash val="solid"/>
+                      <a:round/>
+                      <a:headEnd type="none" w="med" len="med"/>
+                      <a:tailEnd type="none" w="med" len="med"/>
+                    </a:lnR>
+                    <a:lnT w="6350" cap="flat" cmpd="sng" algn="ctr">
+                      <a:solidFill>
+                        <a:srgbClr val="000000"/>
+                      </a:solidFill>
+                      <a:prstDash val="solid"/>
+                      <a:round/>
+                      <a:headEnd type="none" w="med" len="med"/>
+                      <a:tailEnd type="none" w="med" len="med"/>
+                    </a:lnT>
+                    <a:lnB w="6350" cap="flat" cmpd="sng" algn="ctr">
+                      <a:solidFill>
+                        <a:srgbClr val="000000"/>
+                      </a:solidFill>
+                      <a:prstDash val="solid"/>
+                      <a:round/>
+                      <a:headEnd type="none" w="med" len="med"/>
+                      <a:tailEnd type="none" w="med" len="med"/>
+                    </a:lnB>
+                  </a:tcPr>
+                </a:tc>
+                <a:extLst>
+                  <a:ext uri="{0D108BD9-81ED-4DB2-BD59-A6C34878D82A}">
+                    <a16:rowId xmlns:a16="http://schemas.microsoft.com/office/drawing/2014/main" val="507399868"/>
                   </a:ext>
                 </a:extLst>
               </a:tr>
@@ -16661,7 +18226,7 @@
 </p:sld>
 </file>
 
-<file path=ppt/slides/slide7.xml><?xml version="1.0" encoding="utf-8"?>
+<file path=ppt/slides/slide8.xml><?xml version="1.0" encoding="utf-8"?>
 <p:sld xmlns:a="http://schemas.openxmlformats.org/drawingml/2006/main" xmlns:r="http://schemas.openxmlformats.org/officeDocument/2006/relationships" xmlns:p="http://schemas.openxmlformats.org/presentationml/2006/main">
   <p:cSld>
     <p:bg>
@@ -17068,60 +18633,6 @@
           </a:p>
         </p:txBody>
       </p:sp>
-      <p:sp>
-        <p:nvSpPr>
-          <p:cNvPr id="2" name="Footer Placeholder 1">
-            <a:extLst>
-              <a:ext uri="{FF2B5EF4-FFF2-40B4-BE49-F238E27FC236}">
-                <a16:creationId xmlns:a16="http://schemas.microsoft.com/office/drawing/2014/main" id="{BA3868C8-AA09-37F2-6624-17F94FD88228}"/>
-              </a:ext>
-            </a:extLst>
-          </p:cNvPr>
-          <p:cNvSpPr>
-            <a:spLocks noGrp="1"/>
-          </p:cNvSpPr>
-          <p:nvPr>
-            <p:ph type="ftr" sz="quarter" idx="11"/>
-          </p:nvPr>
-        </p:nvSpPr>
-        <p:spPr>
-          <a:xfrm>
-            <a:off x="5755598" y="6356350"/>
-            <a:ext cx="3254356" cy="365125"/>
-          </a:xfrm>
-        </p:spPr>
-        <p:txBody>
-          <a:bodyPr vert="horz" lIns="91440" tIns="45720" rIns="91440" bIns="45720" rtlCol="0" anchor="ctr">
-            <a:normAutofit/>
-          </a:bodyPr>
-          <a:lstStyle/>
-          <a:p>
-            <a:pPr algn="l">
-              <a:lnSpc>
-                <a:spcPct val="90000"/>
-              </a:lnSpc>
-              <a:spcAft>
-                <a:spcPts val="600"/>
-              </a:spcAft>
-              <a:defRPr/>
-            </a:pPr>
-            <a:r>
-              <a:rPr lang="en-US" sz="900" kern="1200">
-                <a:solidFill>
-                  <a:schemeClr val="tx1">
-                    <a:lumMod val="50000"/>
-                    <a:lumOff val="50000"/>
-                  </a:schemeClr>
-                </a:solidFill>
-                <a:latin typeface="Calibri" panose="020F0502020204030204"/>
-                <a:ea typeface="+mn-ea"/>
-                <a:cs typeface="+mn-cs"/>
-              </a:rPr>
-              <a:t>Scan the QR code on the room poster to fill out session evaluations</a:t>
-            </a:r>
-          </a:p>
-        </p:txBody>
-      </p:sp>
     </p:spTree>
     <p:extLst>
       <p:ext uri="{BB962C8B-B14F-4D97-AF65-F5344CB8AC3E}">
@@ -17135,7 +18646,7 @@
 </p:sld>
 </file>
 
-<file path=ppt/slides/slide8.xml><?xml version="1.0" encoding="utf-8"?>
+<file path=ppt/slides/slide9.xml><?xml version="1.0" encoding="utf-8"?>
 <p:sld xmlns:a="http://schemas.openxmlformats.org/drawingml/2006/main" xmlns:r="http://schemas.openxmlformats.org/officeDocument/2006/relationships" xmlns:p="http://schemas.openxmlformats.org/presentationml/2006/main">
   <p:cSld>
     <p:bg>
@@ -17803,787 +19314,10 @@
           </a:p>
         </p:txBody>
       </p:sp>
-      <p:sp>
-        <p:nvSpPr>
-          <p:cNvPr id="2" name="Footer Placeholder 1">
-            <a:extLst>
-              <a:ext uri="{FF2B5EF4-FFF2-40B4-BE49-F238E27FC236}">
-                <a16:creationId xmlns:a16="http://schemas.microsoft.com/office/drawing/2014/main" id="{BA3868C8-AA09-37F2-6624-17F94FD88228}"/>
-              </a:ext>
-            </a:extLst>
-          </p:cNvPr>
-          <p:cNvSpPr>
-            <a:spLocks noGrp="1"/>
-          </p:cNvSpPr>
-          <p:nvPr>
-            <p:ph type="ftr" sz="quarter" idx="11"/>
-          </p:nvPr>
-        </p:nvSpPr>
-        <p:spPr>
-          <a:xfrm>
-            <a:off x="4038600" y="6356350"/>
-            <a:ext cx="4114800" cy="365125"/>
-          </a:xfrm>
-        </p:spPr>
-        <p:txBody>
-          <a:bodyPr vert="horz" lIns="91440" tIns="45720" rIns="91440" bIns="45720" rtlCol="0" anchor="ctr">
-            <a:normAutofit/>
-          </a:bodyPr>
-          <a:lstStyle/>
-          <a:p>
-            <a:pPr>
-              <a:spcAft>
-                <a:spcPts val="600"/>
-              </a:spcAft>
-              <a:defRPr/>
-            </a:pPr>
-            <a:r>
-              <a:rPr lang="en-US" sz="1100" kern="1200">
-                <a:solidFill>
-                  <a:schemeClr val="tx1">
-                    <a:lumMod val="50000"/>
-                    <a:lumOff val="50000"/>
-                  </a:schemeClr>
-                </a:solidFill>
-                <a:latin typeface="Calibri" panose="020F0502020204030204"/>
-                <a:ea typeface="+mn-ea"/>
-                <a:cs typeface="+mn-cs"/>
-              </a:rPr>
-              <a:t>Scan the QR code on the room poster to fill out session evaluations</a:t>
-            </a:r>
-          </a:p>
-        </p:txBody>
-      </p:sp>
     </p:spTree>
     <p:extLst>
       <p:ext uri="{BB962C8B-B14F-4D97-AF65-F5344CB8AC3E}">
         <p14:creationId xmlns:p14="http://schemas.microsoft.com/office/powerpoint/2010/main" val="3061603145"/>
-      </p:ext>
-    </p:extLst>
-  </p:cSld>
-  <p:clrMapOvr>
-    <a:masterClrMapping/>
-  </p:clrMapOvr>
-</p:sld>
-</file>
-
-<file path=ppt/slides/slide9.xml><?xml version="1.0" encoding="utf-8"?>
-<p:sld xmlns:a="http://schemas.openxmlformats.org/drawingml/2006/main" xmlns:r="http://schemas.openxmlformats.org/officeDocument/2006/relationships" xmlns:p="http://schemas.openxmlformats.org/presentationml/2006/main">
-  <p:cSld>
-    <p:bg>
-      <p:bgPr>
-        <a:solidFill>
-          <a:schemeClr val="bg1"/>
-        </a:solidFill>
-        <a:effectLst/>
-      </p:bgPr>
-    </p:bg>
-    <p:spTree>
-      <p:nvGrpSpPr>
-        <p:cNvPr id="1" name=""/>
-        <p:cNvGrpSpPr/>
-        <p:nvPr/>
-      </p:nvGrpSpPr>
-      <p:grpSpPr>
-        <a:xfrm>
-          <a:off x="0" y="0"/>
-          <a:ext cx="0" cy="0"/>
-          <a:chOff x="0" y="0"/>
-          <a:chExt cx="0" cy="0"/>
-        </a:xfrm>
-      </p:grpSpPr>
-      <p:sp useBgFill="1">
-        <p:nvSpPr>
-          <p:cNvPr id="19" name="Rectangle 18">
-            <a:extLst>
-              <a:ext uri="{FF2B5EF4-FFF2-40B4-BE49-F238E27FC236}">
-                <a16:creationId xmlns:a16="http://schemas.microsoft.com/office/drawing/2014/main" id="{8FC9BE17-9A7B-462D-AE50-3D8777387304}"/>
-              </a:ext>
-              <a:ext uri="{C183D7F6-B498-43B3-948B-1728B52AA6E4}">
-                <adec:decorative xmlns:adec="http://schemas.microsoft.com/office/drawing/2017/decorative" val="1"/>
-              </a:ext>
-            </a:extLst>
-          </p:cNvPr>
-          <p:cNvSpPr>
-            <a:spLocks noGrp="1" noRot="1" noChangeAspect="1" noMove="1" noResize="1" noEditPoints="1" noAdjustHandles="1" noChangeArrowheads="1" noChangeShapeType="1" noTextEdit="1"/>
-          </p:cNvSpPr>
-          <p:nvPr>
-            <p:extLst>
-              <p:ext uri="{386F3935-93C4-4BCD-93E2-E3B085C9AB24}">
-                <p16:designElem xmlns:p16="http://schemas.microsoft.com/office/powerpoint/2015/main" val="1"/>
-              </p:ext>
-            </p:extLst>
-          </p:nvPr>
-        </p:nvSpPr>
-        <p:spPr>
-          <a:xfrm>
-            <a:off x="0" y="0"/>
-            <a:ext cx="12192000" cy="6858000"/>
-          </a:xfrm>
-          <a:prstGeom prst="rect">
-            <a:avLst/>
-          </a:prstGeom>
-          <a:ln>
-            <a:noFill/>
-          </a:ln>
-        </p:spPr>
-        <p:style>
-          <a:lnRef idx="2">
-            <a:schemeClr val="accent1">
-              <a:shade val="50000"/>
-            </a:schemeClr>
-          </a:lnRef>
-          <a:fillRef idx="1">
-            <a:schemeClr val="accent1"/>
-          </a:fillRef>
-          <a:effectRef idx="0">
-            <a:schemeClr val="accent1"/>
-          </a:effectRef>
-          <a:fontRef idx="minor">
-            <a:schemeClr val="lt1"/>
-          </a:fontRef>
-        </p:style>
-        <p:txBody>
-          <a:bodyPr rtlCol="0" anchor="ctr"/>
-          <a:lstStyle/>
-          <a:p>
-            <a:pPr algn="ctr"/>
-            <a:endParaRPr lang="en-US"/>
-          </a:p>
-        </p:txBody>
-      </p:sp>
-      <p:pic>
-        <p:nvPicPr>
-          <p:cNvPr id="6" name="Picture 5" descr="Desk with stethoscope and computer keyboard">
-            <a:extLst>
-              <a:ext uri="{FF2B5EF4-FFF2-40B4-BE49-F238E27FC236}">
-                <a16:creationId xmlns:a16="http://schemas.microsoft.com/office/drawing/2014/main" id="{CD7969C7-2056-7C1B-683F-B65ADC0EB95B}"/>
-              </a:ext>
-            </a:extLst>
-          </p:cNvPr>
-          <p:cNvPicPr>
-            <a:picLocks noChangeAspect="1"/>
-          </p:cNvPicPr>
-          <p:nvPr/>
-        </p:nvPicPr>
-        <p:blipFill rotWithShape="1">
-          <a:blip r:embed="rId2"/>
-          <a:srcRect l="16068" t="6484" r="5030" b="-1"/>
-          <a:stretch/>
-        </p:blipFill>
-        <p:spPr>
-          <a:xfrm>
-            <a:off x="3523488" y="9154"/>
-            <a:ext cx="8668512" cy="6857990"/>
-          </a:xfrm>
-          <a:prstGeom prst="rect">
-            <a:avLst/>
-          </a:prstGeom>
-        </p:spPr>
-      </p:pic>
-      <p:sp>
-        <p:nvSpPr>
-          <p:cNvPr id="21" name="Rectangle 20">
-            <a:extLst>
-              <a:ext uri="{FF2B5EF4-FFF2-40B4-BE49-F238E27FC236}">
-                <a16:creationId xmlns:a16="http://schemas.microsoft.com/office/drawing/2014/main" id="{3EBE8569-6AEC-4B8C-8D53-2DE337CDBA65}"/>
-              </a:ext>
-              <a:ext uri="{C183D7F6-B498-43B3-948B-1728B52AA6E4}">
-                <adec:decorative xmlns:adec="http://schemas.microsoft.com/office/drawing/2017/decorative" val="1"/>
-              </a:ext>
-            </a:extLst>
-          </p:cNvPr>
-          <p:cNvSpPr>
-            <a:spLocks noGrp="1" noRot="1" noChangeAspect="1" noMove="1" noResize="1" noEditPoints="1" noAdjustHandles="1" noChangeArrowheads="1" noChangeShapeType="1" noTextEdit="1"/>
-          </p:cNvSpPr>
-          <p:nvPr>
-            <p:extLst>
-              <p:ext uri="{386F3935-93C4-4BCD-93E2-E3B085C9AB24}">
-                <p16:designElem xmlns:p16="http://schemas.microsoft.com/office/powerpoint/2015/main" val="1"/>
-              </p:ext>
-            </p:extLst>
-          </p:nvPr>
-        </p:nvSpPr>
-        <p:spPr>
-          <a:xfrm>
-            <a:off x="2" y="0"/>
-            <a:ext cx="9756601" cy="6858000"/>
-          </a:xfrm>
-          <a:prstGeom prst="rect">
-            <a:avLst/>
-          </a:prstGeom>
-          <a:gradFill>
-            <a:gsLst>
-              <a:gs pos="58000">
-                <a:schemeClr val="bg1"/>
-              </a:gs>
-              <a:gs pos="35000">
-                <a:schemeClr val="bg1">
-                  <a:alpha val="78000"/>
-                </a:schemeClr>
-              </a:gs>
-              <a:gs pos="19000">
-                <a:schemeClr val="bg1">
-                  <a:alpha val="38000"/>
-                </a:schemeClr>
-              </a:gs>
-              <a:gs pos="0">
-                <a:schemeClr val="bg1">
-                  <a:alpha val="0"/>
-                </a:schemeClr>
-              </a:gs>
-              <a:gs pos="100000">
-                <a:schemeClr val="bg1"/>
-              </a:gs>
-            </a:gsLst>
-            <a:lin ang="10800000" scaled="0"/>
-          </a:gradFill>
-          <a:ln>
-            <a:noFill/>
-          </a:ln>
-        </p:spPr>
-        <p:style>
-          <a:lnRef idx="2">
-            <a:schemeClr val="accent1">
-              <a:shade val="50000"/>
-            </a:schemeClr>
-          </a:lnRef>
-          <a:fillRef idx="1">
-            <a:schemeClr val="accent1"/>
-          </a:fillRef>
-          <a:effectRef idx="0">
-            <a:schemeClr val="accent1"/>
-          </a:effectRef>
-          <a:fontRef idx="minor">
-            <a:schemeClr val="lt1"/>
-          </a:fontRef>
-        </p:style>
-        <p:txBody>
-          <a:bodyPr rtlCol="0" anchor="ctr"/>
-          <a:lstStyle/>
-          <a:p>
-            <a:pPr algn="ctr"/>
-            <a:endParaRPr lang="en-US" dirty="0"/>
-          </a:p>
-        </p:txBody>
-      </p:sp>
-      <p:sp>
-        <p:nvSpPr>
-          <p:cNvPr id="3" name="Title 1">
-            <a:extLst>
-              <a:ext uri="{FF2B5EF4-FFF2-40B4-BE49-F238E27FC236}">
-                <a16:creationId xmlns:a16="http://schemas.microsoft.com/office/drawing/2014/main" id="{6DA2320C-E6C5-482E-C2D5-DAD56361C46F}"/>
-              </a:ext>
-            </a:extLst>
-          </p:cNvPr>
-          <p:cNvSpPr txBox="1">
-            <a:spLocks/>
-          </p:cNvSpPr>
-          <p:nvPr/>
-        </p:nvSpPr>
-        <p:spPr>
-          <a:xfrm>
-            <a:off x="371094" y="1161288"/>
-            <a:ext cx="3438144" cy="1124712"/>
-          </a:xfrm>
-          <a:prstGeom prst="rect">
-            <a:avLst/>
-          </a:prstGeom>
-        </p:spPr>
-        <p:txBody>
-          <a:bodyPr vert="horz" lIns="91440" tIns="45720" rIns="91440" bIns="45720" rtlCol="0" anchor="b">
-            <a:normAutofit/>
-          </a:bodyPr>
-          <a:lstStyle>
-            <a:lvl1pPr algn="l" defTabSz="914400" rtl="0" eaLnBrk="1" latinLnBrk="0" hangingPunct="1">
-              <a:lnSpc>
-                <a:spcPct val="90000"/>
-              </a:lnSpc>
-              <a:spcBef>
-                <a:spcPct val="0"/>
-              </a:spcBef>
-              <a:buNone/>
-              <a:defRPr sz="4400" kern="1200">
-                <a:solidFill>
-                  <a:schemeClr val="tx1"/>
-                </a:solidFill>
-                <a:latin typeface="+mj-lt"/>
-                <a:ea typeface="+mj-ea"/>
-                <a:cs typeface="+mj-cs"/>
-              </a:defRPr>
-            </a:lvl1pPr>
-          </a:lstStyle>
-          <a:p>
-            <a:pPr>
-              <a:spcAft>
-                <a:spcPts val="600"/>
-              </a:spcAft>
-            </a:pPr>
-            <a:r>
-              <a:rPr lang="en-US" sz="3600" dirty="0"/>
-              <a:t>Other tips</a:t>
-            </a:r>
-          </a:p>
-        </p:txBody>
-      </p:sp>
-      <p:sp>
-        <p:nvSpPr>
-          <p:cNvPr id="23" name="Rectangle 22">
-            <a:extLst>
-              <a:ext uri="{FF2B5EF4-FFF2-40B4-BE49-F238E27FC236}">
-                <a16:creationId xmlns:a16="http://schemas.microsoft.com/office/drawing/2014/main" id="{55D4142C-5077-457F-A6AD-3FECFDB39685}"/>
-              </a:ext>
-              <a:ext uri="{C183D7F6-B498-43B3-948B-1728B52AA6E4}">
-                <adec:decorative xmlns:adec="http://schemas.microsoft.com/office/drawing/2017/decorative" val="1"/>
-              </a:ext>
-            </a:extLst>
-          </p:cNvPr>
-          <p:cNvSpPr>
-            <a:spLocks noGrp="1" noRot="1" noChangeAspect="1" noMove="1" noResize="1" noEditPoints="1" noAdjustHandles="1" noChangeArrowheads="1" noChangeShapeType="1" noTextEdit="1"/>
-          </p:cNvSpPr>
-          <p:nvPr>
-            <p:extLst>
-              <p:ext uri="{386F3935-93C4-4BCD-93E2-E3B085C9AB24}">
-                <p16:designElem xmlns:p16="http://schemas.microsoft.com/office/powerpoint/2015/main" val="1"/>
-              </p:ext>
-            </p:extLst>
-          </p:nvPr>
-        </p:nvSpPr>
-        <p:spPr>
-          <a:xfrm rot="5400000">
-            <a:off x="662559" y="605790"/>
-            <a:ext cx="73152" cy="548640"/>
-          </a:xfrm>
-          <a:prstGeom prst="rect">
-            <a:avLst/>
-          </a:prstGeom>
-          <a:solidFill>
-            <a:schemeClr val="accent2"/>
-          </a:solidFill>
-          <a:ln>
-            <a:noFill/>
-          </a:ln>
-        </p:spPr>
-        <p:style>
-          <a:lnRef idx="2">
-            <a:schemeClr val="accent1">
-              <a:shade val="50000"/>
-            </a:schemeClr>
-          </a:lnRef>
-          <a:fillRef idx="1">
-            <a:schemeClr val="accent1"/>
-          </a:fillRef>
-          <a:effectRef idx="0">
-            <a:schemeClr val="accent1"/>
-          </a:effectRef>
-          <a:fontRef idx="minor">
-            <a:schemeClr val="lt1"/>
-          </a:fontRef>
-        </p:style>
-        <p:txBody>
-          <a:bodyPr rtlCol="0" anchor="ctr"/>
-          <a:lstStyle/>
-          <a:p>
-            <a:pPr algn="ctr"/>
-            <a:endParaRPr lang="en-US">
-              <a:solidFill>
-                <a:prstClr val="white"/>
-              </a:solidFill>
-              <a:latin typeface="Calibri" panose="020F0502020204030204"/>
-            </a:endParaRPr>
-          </a:p>
-        </p:txBody>
-      </p:sp>
-      <p:sp>
-        <p:nvSpPr>
-          <p:cNvPr id="25" name="Rectangle 24">
-            <a:extLst>
-              <a:ext uri="{FF2B5EF4-FFF2-40B4-BE49-F238E27FC236}">
-                <a16:creationId xmlns:a16="http://schemas.microsoft.com/office/drawing/2014/main" id="{7A5F0580-5EE9-419F-96EE-B6529EF6E7D0}"/>
-              </a:ext>
-              <a:ext uri="{C183D7F6-B498-43B3-948B-1728B52AA6E4}">
-                <adec:decorative xmlns:adec="http://schemas.microsoft.com/office/drawing/2017/decorative" val="1"/>
-              </a:ext>
-            </a:extLst>
-          </p:cNvPr>
-          <p:cNvSpPr>
-            <a:spLocks noGrp="1" noRot="1" noChangeAspect="1" noMove="1" noResize="1" noEditPoints="1" noAdjustHandles="1" noChangeArrowheads="1" noChangeShapeType="1" noTextEdit="1"/>
-          </p:cNvSpPr>
-          <p:nvPr>
-            <p:extLst>
-              <p:ext uri="{386F3935-93C4-4BCD-93E2-E3B085C9AB24}">
-                <p16:designElem xmlns:p16="http://schemas.microsoft.com/office/powerpoint/2015/main" val="1"/>
-              </p:ext>
-            </p:extLst>
-          </p:nvPr>
-        </p:nvSpPr>
-        <p:spPr>
-          <a:xfrm>
-            <a:off x="428244" y="2443480"/>
-            <a:ext cx="3300984" cy="9144"/>
-          </a:xfrm>
-          <a:prstGeom prst="rect">
-            <a:avLst/>
-          </a:prstGeom>
-          <a:solidFill>
-            <a:srgbClr val="D5D5D5"/>
-          </a:solidFill>
-          <a:ln w="3175">
-            <a:solidFill>
-              <a:srgbClr val="D5D5D5"/>
-            </a:solidFill>
-          </a:ln>
-          <a:effectLst/>
-        </p:spPr>
-        <p:style>
-          <a:lnRef idx="2">
-            <a:schemeClr val="accent1">
-              <a:shade val="50000"/>
-            </a:schemeClr>
-          </a:lnRef>
-          <a:fillRef idx="1">
-            <a:schemeClr val="accent1"/>
-          </a:fillRef>
-          <a:effectRef idx="0">
-            <a:schemeClr val="accent1"/>
-          </a:effectRef>
-          <a:fontRef idx="minor">
-            <a:schemeClr val="lt1"/>
-          </a:fontRef>
-        </p:style>
-        <p:txBody>
-          <a:bodyPr rtlCol="0" anchor="ctr"/>
-          <a:lstStyle/>
-          <a:p>
-            <a:pPr marL="0" marR="0" lvl="0" indent="0" algn="ctr" defTabSz="914400" rtl="0" eaLnBrk="1" fontAlgn="auto" latinLnBrk="0" hangingPunct="1">
-              <a:lnSpc>
-                <a:spcPct val="100000"/>
-              </a:lnSpc>
-              <a:spcBef>
-                <a:spcPts val="0"/>
-              </a:spcBef>
-              <a:spcAft>
-                <a:spcPts val="0"/>
-              </a:spcAft>
-              <a:buClrTx/>
-              <a:buSzTx/>
-              <a:buFontTx/>
-              <a:buNone/>
-              <a:tabLst/>
-              <a:defRPr/>
-            </a:pPr>
-            <a:endParaRPr kumimoji="0" lang="en-US" sz="1800" b="0" i="0" u="none" strike="noStrike" kern="1200" cap="none" spc="0" normalizeH="0" baseline="0" noProof="0">
-              <a:ln>
-                <a:noFill/>
-              </a:ln>
-              <a:solidFill>
-                <a:prstClr val="white"/>
-              </a:solidFill>
-              <a:effectLst/>
-              <a:uLnTx/>
-              <a:uFillTx/>
-              <a:latin typeface="Calibri" panose="020F0502020204030204"/>
-              <a:ea typeface="+mn-ea"/>
-              <a:cs typeface="+mn-cs"/>
-            </a:endParaRPr>
-          </a:p>
-        </p:txBody>
-      </p:sp>
-      <p:sp>
-        <p:nvSpPr>
-          <p:cNvPr id="4" name="Content Placeholder 2">
-            <a:extLst>
-              <a:ext uri="{FF2B5EF4-FFF2-40B4-BE49-F238E27FC236}">
-                <a16:creationId xmlns:a16="http://schemas.microsoft.com/office/drawing/2014/main" id="{D47C48E9-953C-F210-41EC-228D1C6DB6DB}"/>
-              </a:ext>
-            </a:extLst>
-          </p:cNvPr>
-          <p:cNvSpPr txBox="1">
-            <a:spLocks/>
-          </p:cNvSpPr>
-          <p:nvPr/>
-        </p:nvSpPr>
-        <p:spPr>
-          <a:xfrm>
-            <a:off x="371093" y="2718054"/>
-            <a:ext cx="6544862" cy="3207258"/>
-          </a:xfrm>
-          <a:prstGeom prst="rect">
-            <a:avLst/>
-          </a:prstGeom>
-        </p:spPr>
-        <p:txBody>
-          <a:bodyPr vert="horz" lIns="91440" tIns="45720" rIns="91440" bIns="45720" rtlCol="0" anchor="t">
-            <a:normAutofit fontScale="92500"/>
-          </a:bodyPr>
-          <a:lstStyle>
-            <a:lvl1pPr marL="228600" indent="-228600" algn="l" defTabSz="914400" rtl="0" eaLnBrk="1" latinLnBrk="0" hangingPunct="1">
-              <a:lnSpc>
-                <a:spcPct val="90000"/>
-              </a:lnSpc>
-              <a:spcBef>
-                <a:spcPts val="1000"/>
-              </a:spcBef>
-              <a:buFont typeface="Arial" panose="020B0604020202020204" pitchFamily="34" charset="0"/>
-              <a:buChar char="•"/>
-              <a:defRPr sz="2800" kern="1200">
-                <a:solidFill>
-                  <a:schemeClr val="tx1"/>
-                </a:solidFill>
-                <a:latin typeface="+mn-lt"/>
-                <a:ea typeface="+mn-ea"/>
-                <a:cs typeface="+mn-cs"/>
-              </a:defRPr>
-            </a:lvl1pPr>
-            <a:lvl2pPr marL="685800" indent="-228600" algn="l" defTabSz="914400" rtl="0" eaLnBrk="1" latinLnBrk="0" hangingPunct="1">
-              <a:lnSpc>
-                <a:spcPct val="90000"/>
-              </a:lnSpc>
-              <a:spcBef>
-                <a:spcPts val="500"/>
-              </a:spcBef>
-              <a:buFont typeface="Arial" panose="020B0604020202020204" pitchFamily="34" charset="0"/>
-              <a:buChar char="•"/>
-              <a:defRPr sz="2400" kern="1200">
-                <a:solidFill>
-                  <a:schemeClr val="tx1"/>
-                </a:solidFill>
-                <a:latin typeface="+mn-lt"/>
-                <a:ea typeface="+mn-ea"/>
-                <a:cs typeface="+mn-cs"/>
-              </a:defRPr>
-            </a:lvl2pPr>
-            <a:lvl3pPr marL="1143000" indent="-228600" algn="l" defTabSz="914400" rtl="0" eaLnBrk="1" latinLnBrk="0" hangingPunct="1">
-              <a:lnSpc>
-                <a:spcPct val="90000"/>
-              </a:lnSpc>
-              <a:spcBef>
-                <a:spcPts val="500"/>
-              </a:spcBef>
-              <a:buFont typeface="Arial" panose="020B0604020202020204" pitchFamily="34" charset="0"/>
-              <a:buChar char="•"/>
-              <a:defRPr sz="2000" kern="1200">
-                <a:solidFill>
-                  <a:schemeClr val="tx1"/>
-                </a:solidFill>
-                <a:latin typeface="+mn-lt"/>
-                <a:ea typeface="+mn-ea"/>
-                <a:cs typeface="+mn-cs"/>
-              </a:defRPr>
-            </a:lvl3pPr>
-            <a:lvl4pPr marL="1600200" indent="-228600" algn="l" defTabSz="914400" rtl="0" eaLnBrk="1" latinLnBrk="0" hangingPunct="1">
-              <a:lnSpc>
-                <a:spcPct val="90000"/>
-              </a:lnSpc>
-              <a:spcBef>
-                <a:spcPts val="500"/>
-              </a:spcBef>
-              <a:buFont typeface="Arial" panose="020B0604020202020204" pitchFamily="34" charset="0"/>
-              <a:buChar char="•"/>
-              <a:defRPr sz="1800" kern="1200">
-                <a:solidFill>
-                  <a:schemeClr val="tx1"/>
-                </a:solidFill>
-                <a:latin typeface="+mn-lt"/>
-                <a:ea typeface="+mn-ea"/>
-                <a:cs typeface="+mn-cs"/>
-              </a:defRPr>
-            </a:lvl4pPr>
-            <a:lvl5pPr marL="2057400" indent="-228600" algn="l" defTabSz="914400" rtl="0" eaLnBrk="1" latinLnBrk="0" hangingPunct="1">
-              <a:lnSpc>
-                <a:spcPct val="90000"/>
-              </a:lnSpc>
-              <a:spcBef>
-                <a:spcPts val="500"/>
-              </a:spcBef>
-              <a:buFont typeface="Arial" panose="020B0604020202020204" pitchFamily="34" charset="0"/>
-              <a:buChar char="•"/>
-              <a:defRPr sz="1800" kern="1200">
-                <a:solidFill>
-                  <a:schemeClr val="tx1"/>
-                </a:solidFill>
-                <a:latin typeface="+mn-lt"/>
-                <a:ea typeface="+mn-ea"/>
-                <a:cs typeface="+mn-cs"/>
-              </a:defRPr>
-            </a:lvl5pPr>
-            <a:lvl6pPr marL="2514600" indent="-228600" algn="l" defTabSz="914400" rtl="0" eaLnBrk="1" latinLnBrk="0" hangingPunct="1">
-              <a:lnSpc>
-                <a:spcPct val="90000"/>
-              </a:lnSpc>
-              <a:spcBef>
-                <a:spcPts val="500"/>
-              </a:spcBef>
-              <a:buFont typeface="Arial" panose="020B0604020202020204" pitchFamily="34" charset="0"/>
-              <a:buChar char="•"/>
-              <a:defRPr sz="1800" kern="1200">
-                <a:solidFill>
-                  <a:schemeClr val="tx1"/>
-                </a:solidFill>
-                <a:latin typeface="+mn-lt"/>
-                <a:ea typeface="+mn-ea"/>
-                <a:cs typeface="+mn-cs"/>
-              </a:defRPr>
-            </a:lvl6pPr>
-            <a:lvl7pPr marL="2971800" indent="-228600" algn="l" defTabSz="914400" rtl="0" eaLnBrk="1" latinLnBrk="0" hangingPunct="1">
-              <a:lnSpc>
-                <a:spcPct val="90000"/>
-              </a:lnSpc>
-              <a:spcBef>
-                <a:spcPts val="500"/>
-              </a:spcBef>
-              <a:buFont typeface="Arial" panose="020B0604020202020204" pitchFamily="34" charset="0"/>
-              <a:buChar char="•"/>
-              <a:defRPr sz="1800" kern="1200">
-                <a:solidFill>
-                  <a:schemeClr val="tx1"/>
-                </a:solidFill>
-                <a:latin typeface="+mn-lt"/>
-                <a:ea typeface="+mn-ea"/>
-                <a:cs typeface="+mn-cs"/>
-              </a:defRPr>
-            </a:lvl7pPr>
-            <a:lvl8pPr marL="3429000" indent="-228600" algn="l" defTabSz="914400" rtl="0" eaLnBrk="1" latinLnBrk="0" hangingPunct="1">
-              <a:lnSpc>
-                <a:spcPct val="90000"/>
-              </a:lnSpc>
-              <a:spcBef>
-                <a:spcPts val="500"/>
-              </a:spcBef>
-              <a:buFont typeface="Arial" panose="020B0604020202020204" pitchFamily="34" charset="0"/>
-              <a:buChar char="•"/>
-              <a:defRPr sz="1800" kern="1200">
-                <a:solidFill>
-                  <a:schemeClr val="tx1"/>
-                </a:solidFill>
-                <a:latin typeface="+mn-lt"/>
-                <a:ea typeface="+mn-ea"/>
-                <a:cs typeface="+mn-cs"/>
-              </a:defRPr>
-            </a:lvl8pPr>
-            <a:lvl9pPr marL="3886200" indent="-228600" algn="l" defTabSz="914400" rtl="0" eaLnBrk="1" latinLnBrk="0" hangingPunct="1">
-              <a:lnSpc>
-                <a:spcPct val="90000"/>
-              </a:lnSpc>
-              <a:spcBef>
-                <a:spcPts val="500"/>
-              </a:spcBef>
-              <a:buFont typeface="Arial" panose="020B0604020202020204" pitchFamily="34" charset="0"/>
-              <a:buChar char="•"/>
-              <a:defRPr sz="1800" kern="1200">
-                <a:solidFill>
-                  <a:schemeClr val="tx1"/>
-                </a:solidFill>
-                <a:latin typeface="+mn-lt"/>
-                <a:ea typeface="+mn-ea"/>
-                <a:cs typeface="+mn-cs"/>
-              </a:defRPr>
-            </a:lvl9pPr>
-          </a:lstStyle>
-          <a:p>
-            <a:r>
-              <a:rPr lang="en-US" sz="2400" dirty="0"/>
-              <a:t>Sync your profile scripts using OneDrive or GitHub</a:t>
-            </a:r>
-          </a:p>
-          <a:p>
-            <a:pPr lvl="1"/>
-            <a:r>
-              <a:rPr lang="en-US" dirty="0"/>
-              <a:t>Use </a:t>
-            </a:r>
-            <a:r>
-              <a:rPr lang="en-US" dirty="0" err="1"/>
-              <a:t>symlinks</a:t>
-            </a:r>
-            <a:r>
-              <a:rPr lang="en-US" dirty="0"/>
-              <a:t> to link runtime location to source location</a:t>
-            </a:r>
-          </a:p>
-          <a:p>
-            <a:pPr lvl="1"/>
-            <a:r>
-              <a:rPr lang="en-US" dirty="0"/>
-              <a:t>Don’t sync modules using OneDrive</a:t>
-            </a:r>
-          </a:p>
-          <a:p>
-            <a:r>
-              <a:rPr lang="en-US" sz="2400" dirty="0"/>
-              <a:t>Use profile hierarchy to separate configuration items</a:t>
-            </a:r>
-          </a:p>
-          <a:p>
-            <a:r>
-              <a:rPr lang="en-US" sz="2400" dirty="0"/>
-              <a:t>Move utility functions to a module</a:t>
-            </a:r>
-          </a:p>
-          <a:p>
-            <a:pPr lvl="1"/>
-            <a:r>
-              <a:rPr lang="en-US" dirty="0"/>
-              <a:t>They load on demand, no need to include in profile</a:t>
-            </a:r>
-          </a:p>
-        </p:txBody>
-      </p:sp>
-      <p:sp>
-        <p:nvSpPr>
-          <p:cNvPr id="2" name="Footer Placeholder 1">
-            <a:extLst>
-              <a:ext uri="{FF2B5EF4-FFF2-40B4-BE49-F238E27FC236}">
-                <a16:creationId xmlns:a16="http://schemas.microsoft.com/office/drawing/2014/main" id="{BA3868C8-AA09-37F2-6624-17F94FD88228}"/>
-              </a:ext>
-            </a:extLst>
-          </p:cNvPr>
-          <p:cNvSpPr>
-            <a:spLocks noGrp="1"/>
-          </p:cNvSpPr>
-          <p:nvPr>
-            <p:ph type="ftr" sz="quarter" idx="11"/>
-          </p:nvPr>
-        </p:nvSpPr>
-        <p:spPr>
-          <a:xfrm>
-            <a:off x="4038600" y="6356350"/>
-            <a:ext cx="4114800" cy="365125"/>
-          </a:xfrm>
-        </p:spPr>
-        <p:txBody>
-          <a:bodyPr vert="horz" lIns="91440" tIns="45720" rIns="91440" bIns="45720" rtlCol="0" anchor="ctr">
-            <a:normAutofit/>
-          </a:bodyPr>
-          <a:lstStyle/>
-          <a:p>
-            <a:pPr>
-              <a:spcAft>
-                <a:spcPts val="600"/>
-              </a:spcAft>
-              <a:defRPr/>
-            </a:pPr>
-            <a:r>
-              <a:rPr lang="en-US" sz="1100" kern="1200">
-                <a:solidFill>
-                  <a:schemeClr val="tx1">
-                    <a:lumMod val="50000"/>
-                    <a:lumOff val="50000"/>
-                  </a:schemeClr>
-                </a:solidFill>
-                <a:latin typeface="Calibri" panose="020F0502020204030204"/>
-                <a:ea typeface="+mn-ea"/>
-                <a:cs typeface="+mn-cs"/>
-              </a:rPr>
-              <a:t>Scan the QR code on the room poster to fill out session evaluations</a:t>
-            </a:r>
-          </a:p>
-        </p:txBody>
-      </p:sp>
-    </p:spTree>
-    <p:extLst>
-      <p:ext uri="{BB962C8B-B14F-4D97-AF65-F5344CB8AC3E}">
-        <p14:creationId xmlns:p14="http://schemas.microsoft.com/office/powerpoint/2010/main" val="3945079305"/>
       </p:ext>
     </p:extLst>
   </p:cSld>
